--- a/day 9/SAC_Training Day 9.pptx
+++ b/day 9/SAC_Training Day 9.pptx
@@ -6,19 +6,16 @@
     <p:sldMasterId id="2147483660" r:id="rId2"/>
   </p:sldMasterIdLst>
   <p:notesMasterIdLst>
-    <p:notesMasterId r:id="rId13"/>
+    <p:notesMasterId r:id="rId10"/>
   </p:notesMasterIdLst>
   <p:sldIdLst>
     <p:sldId id="256" r:id="rId3"/>
     <p:sldId id="463" r:id="rId4"/>
-    <p:sldId id="479" r:id="rId5"/>
-    <p:sldId id="394" r:id="rId6"/>
-    <p:sldId id="465" r:id="rId7"/>
-    <p:sldId id="480" r:id="rId8"/>
-    <p:sldId id="462" r:id="rId9"/>
-    <p:sldId id="475" r:id="rId10"/>
-    <p:sldId id="399" r:id="rId11"/>
-    <p:sldId id="409" r:id="rId12"/>
+    <p:sldId id="431" r:id="rId5"/>
+    <p:sldId id="462" r:id="rId6"/>
+    <p:sldId id="399" r:id="rId7"/>
+    <p:sldId id="409" r:id="rId8"/>
+    <p:sldId id="475" r:id="rId9"/>
   </p:sldIdLst>
   <p:sldSz cx="12192000" cy="6858000"/>
   <p:notesSz cx="6858000" cy="9144000"/>
@@ -207,7 +204,7 @@
           <a:p>
             <a:fld id="{4AF2A06D-4991-4208-8C88-4E8BAD69A8B8}" type="datetimeFigureOut">
               <a:rPr lang="en-US" smtClean="0"/>
-              <a:t>1/9/2022</a:t>
+              <a:t>3/16/2022</a:t>
             </a:fld>
             <a:endParaRPr lang="en-US"/>
           </a:p>
@@ -670,7 +667,7 @@
                 <a:tabLst/>
                 <a:defRPr/>
               </a:pPr>
-              <a:t>10</a:t>
+              <a:t>6</a:t>
             </a:fld>
             <a:endParaRPr kumimoji="0" lang="en-US" sz="1200" b="0" i="0" u="none" strike="noStrike" kern="1200" cap="none" spc="0" normalizeH="0" baseline="0" noProof="0">
               <a:ln>
@@ -831,7 +828,7 @@
           <a:p>
             <a:fld id="{E26E0DA5-0C76-4851-AA82-0B75261F9EB4}" type="datetimeFigureOut">
               <a:rPr lang="en-US" smtClean="0"/>
-              <a:t>1/9/2022</a:t>
+              <a:t>3/16/2022</a:t>
             </a:fld>
             <a:endParaRPr lang="en-US"/>
           </a:p>
@@ -999,7 +996,7 @@
           <a:p>
             <a:fld id="{E26E0DA5-0C76-4851-AA82-0B75261F9EB4}" type="datetimeFigureOut">
               <a:rPr lang="en-US" smtClean="0"/>
-              <a:t>1/9/2022</a:t>
+              <a:t>3/16/2022</a:t>
             </a:fld>
             <a:endParaRPr lang="en-US"/>
           </a:p>
@@ -1177,7 +1174,7 @@
           <a:p>
             <a:fld id="{E26E0DA5-0C76-4851-AA82-0B75261F9EB4}" type="datetimeFigureOut">
               <a:rPr lang="en-US" smtClean="0"/>
-              <a:t>1/9/2022</a:t>
+              <a:t>3/16/2022</a:t>
             </a:fld>
             <a:endParaRPr lang="en-US"/>
           </a:p>
@@ -1504,7 +1501,7 @@
             <a:fld id="{9578D6DB-6798-42D2-B9AD-FC6F1C72FC30}" type="datetimeFigureOut">
               <a:rPr lang="en-US" smtClean="0"/>
               <a:pPr/>
-              <a:t>1/9/2022</a:t>
+              <a:t>3/16/2022</a:t>
             </a:fld>
             <a:endParaRPr lang="en-US"/>
           </a:p>
@@ -1746,7 +1743,7 @@
             <a:fld id="{425404F2-BE9A-4460-8815-8F645183555F}" type="datetimeFigureOut">
               <a:rPr lang="en-US" smtClean="0"/>
               <a:pPr/>
-              <a:t>1/9/2022</a:t>
+              <a:t>3/16/2022</a:t>
             </a:fld>
             <a:endParaRPr lang="en-US"/>
           </a:p>
@@ -1874,7 +1871,7 @@
             <a:fld id="{425404F2-BE9A-4460-8815-8F645183555F}" type="datetimeFigureOut">
               <a:rPr lang="en-US" smtClean="0"/>
               <a:pPr/>
-              <a:t>1/9/2022</a:t>
+              <a:t>3/16/2022</a:t>
             </a:fld>
             <a:endParaRPr lang="en-US"/>
           </a:p>
@@ -2124,7 +2121,7 @@
             <a:fld id="{425404F2-BE9A-4460-8815-8F645183555F}" type="datetimeFigureOut">
               <a:rPr lang="en-US" smtClean="0"/>
               <a:pPr/>
-              <a:t>1/9/2022</a:t>
+              <a:t>3/16/2022</a:t>
             </a:fld>
             <a:endParaRPr lang="en-US"/>
           </a:p>
@@ -2294,7 +2291,7 @@
             <a:fld id="{425404F2-BE9A-4460-8815-8F645183555F}" type="datetimeFigureOut">
               <a:rPr lang="en-US" smtClean="0"/>
               <a:pPr/>
-              <a:t>1/9/2022</a:t>
+              <a:t>3/16/2022</a:t>
             </a:fld>
             <a:endParaRPr lang="en-US"/>
           </a:p>
@@ -2581,7 +2578,7 @@
             <a:fld id="{425404F2-BE9A-4460-8815-8F645183555F}" type="datetimeFigureOut">
               <a:rPr lang="en-US" smtClean="0"/>
               <a:pPr/>
-              <a:t>1/9/2022</a:t>
+              <a:t>3/16/2022</a:t>
             </a:fld>
             <a:endParaRPr lang="en-US"/>
           </a:p>
@@ -3002,7 +2999,7 @@
             <a:fld id="{425404F2-BE9A-4460-8815-8F645183555F}" type="datetimeFigureOut">
               <a:rPr lang="en-US" smtClean="0"/>
               <a:pPr/>
-              <a:t>1/9/2022</a:t>
+              <a:t>3/16/2022</a:t>
             </a:fld>
             <a:endParaRPr lang="en-US"/>
           </a:p>
@@ -3127,7 +3124,7 @@
             <a:fld id="{425404F2-BE9A-4460-8815-8F645183555F}" type="datetimeFigureOut">
               <a:rPr lang="en-US" smtClean="0"/>
               <a:pPr/>
-              <a:t>1/9/2022</a:t>
+              <a:t>3/16/2022</a:t>
             </a:fld>
             <a:endParaRPr lang="en-US"/>
           </a:p>
@@ -3353,7 +3350,7 @@
           <a:p>
             <a:fld id="{E26E0DA5-0C76-4851-AA82-0B75261F9EB4}" type="datetimeFigureOut">
               <a:rPr lang="en-US" smtClean="0"/>
-              <a:t>1/9/2022</a:t>
+              <a:t>3/16/2022</a:t>
             </a:fld>
             <a:endParaRPr lang="en-US"/>
           </a:p>
@@ -3477,7 +3474,7 @@
             <a:fld id="{425404F2-BE9A-4460-8815-8F645183555F}" type="datetimeFigureOut">
               <a:rPr lang="en-US" smtClean="0"/>
               <a:pPr/>
-              <a:t>1/9/2022</a:t>
+              <a:t>3/16/2022</a:t>
             </a:fld>
             <a:endParaRPr lang="en-US"/>
           </a:p>
@@ -4024,7 +4021,7 @@
             <a:fld id="{425404F2-BE9A-4460-8815-8F645183555F}" type="datetimeFigureOut">
               <a:rPr lang="en-US" smtClean="0"/>
               <a:pPr/>
-              <a:t>1/9/2022</a:t>
+              <a:t>3/16/2022</a:t>
             </a:fld>
             <a:endParaRPr lang="en-US"/>
           </a:p>
@@ -4172,7 +4169,7 @@
             <a:fld id="{425404F2-BE9A-4460-8815-8F645183555F}" type="datetimeFigureOut">
               <a:rPr lang="en-US" smtClean="0"/>
               <a:pPr/>
-              <a:t>1/9/2022</a:t>
+              <a:t>3/16/2022</a:t>
             </a:fld>
             <a:endParaRPr lang="en-US"/>
           </a:p>
@@ -4405,7 +4402,7 @@
             <a:fld id="{425404F2-BE9A-4460-8815-8F645183555F}" type="datetimeFigureOut">
               <a:rPr lang="en-US" smtClean="0"/>
               <a:pPr/>
-              <a:t>1/9/2022</a:t>
+              <a:t>3/16/2022</a:t>
             </a:fld>
             <a:endParaRPr lang="en-US"/>
           </a:p>
@@ -4643,7 +4640,7 @@
             <a:fld id="{425404F2-BE9A-4460-8815-8F645183555F}" type="datetimeFigureOut">
               <a:rPr lang="en-US" smtClean="0"/>
               <a:pPr/>
-              <a:t>1/9/2022</a:t>
+              <a:t>3/16/2022</a:t>
             </a:fld>
             <a:endParaRPr lang="en-US"/>
           </a:p>
@@ -4825,7 +4822,7 @@
             <a:fld id="{425404F2-BE9A-4460-8815-8F645183555F}" type="datetimeFigureOut">
               <a:rPr lang="en-US" smtClean="0"/>
               <a:pPr/>
-              <a:t>1/9/2022</a:t>
+              <a:t>3/16/2022</a:t>
             </a:fld>
             <a:endParaRPr lang="en-US"/>
           </a:p>
@@ -5102,7 +5099,7 @@
             <a:fld id="{425404F2-BE9A-4460-8815-8F645183555F}" type="datetimeFigureOut">
               <a:rPr lang="en-US" smtClean="0"/>
               <a:pPr/>
-              <a:t>1/9/2022</a:t>
+              <a:t>3/16/2022</a:t>
             </a:fld>
             <a:endParaRPr lang="en-US"/>
           </a:p>
@@ -5356,7 +5353,7 @@
             <a:fld id="{425404F2-BE9A-4460-8815-8F645183555F}" type="datetimeFigureOut">
               <a:rPr lang="en-US" smtClean="0"/>
               <a:pPr/>
-              <a:t>1/9/2022</a:t>
+              <a:t>3/16/2022</a:t>
             </a:fld>
             <a:endParaRPr lang="en-US"/>
           </a:p>
@@ -5526,7 +5523,7 @@
             <a:fld id="{425404F2-BE9A-4460-8815-8F645183555F}" type="datetimeFigureOut">
               <a:rPr lang="en-US" smtClean="0"/>
               <a:pPr/>
-              <a:t>1/9/2022</a:t>
+              <a:t>3/16/2022</a:t>
             </a:fld>
             <a:endParaRPr lang="en-US"/>
           </a:p>
@@ -5706,7 +5703,7 @@
             <a:fld id="{425404F2-BE9A-4460-8815-8F645183555F}" type="datetimeFigureOut">
               <a:rPr lang="en-US" smtClean="0"/>
               <a:pPr/>
-              <a:t>1/9/2022</a:t>
+              <a:t>3/16/2022</a:t>
             </a:fld>
             <a:endParaRPr lang="en-US"/>
           </a:p>
@@ -5952,7 +5949,7 @@
           <a:p>
             <a:fld id="{E26E0DA5-0C76-4851-AA82-0B75261F9EB4}" type="datetimeFigureOut">
               <a:rPr lang="en-US" smtClean="0"/>
-              <a:t>1/9/2022</a:t>
+              <a:t>3/16/2022</a:t>
             </a:fld>
             <a:endParaRPr lang="en-US"/>
           </a:p>
@@ -6181,7 +6178,7 @@
           <a:p>
             <a:fld id="{E26E0DA5-0C76-4851-AA82-0B75261F9EB4}" type="datetimeFigureOut">
               <a:rPr lang="en-US" smtClean="0"/>
-              <a:t>1/9/2022</a:t>
+              <a:t>3/16/2022</a:t>
             </a:fld>
             <a:endParaRPr lang="en-US"/>
           </a:p>
@@ -6545,7 +6542,7 @@
           <a:p>
             <a:fld id="{E26E0DA5-0C76-4851-AA82-0B75261F9EB4}" type="datetimeFigureOut">
               <a:rPr lang="en-US" smtClean="0"/>
-              <a:t>1/9/2022</a:t>
+              <a:t>3/16/2022</a:t>
             </a:fld>
             <a:endParaRPr lang="en-US"/>
           </a:p>
@@ -6662,7 +6659,7 @@
           <a:p>
             <a:fld id="{E26E0DA5-0C76-4851-AA82-0B75261F9EB4}" type="datetimeFigureOut">
               <a:rPr lang="en-US" smtClean="0"/>
-              <a:t>1/9/2022</a:t>
+              <a:t>3/16/2022</a:t>
             </a:fld>
             <a:endParaRPr lang="en-US"/>
           </a:p>
@@ -6757,7 +6754,7 @@
           <a:p>
             <a:fld id="{E26E0DA5-0C76-4851-AA82-0B75261F9EB4}" type="datetimeFigureOut">
               <a:rPr lang="en-US" smtClean="0"/>
-              <a:t>1/9/2022</a:t>
+              <a:t>3/16/2022</a:t>
             </a:fld>
             <a:endParaRPr lang="en-US"/>
           </a:p>
@@ -7032,7 +7029,7 @@
           <a:p>
             <a:fld id="{E26E0DA5-0C76-4851-AA82-0B75261F9EB4}" type="datetimeFigureOut">
               <a:rPr lang="en-US" smtClean="0"/>
-              <a:t>1/9/2022</a:t>
+              <a:t>3/16/2022</a:t>
             </a:fld>
             <a:endParaRPr lang="en-US"/>
           </a:p>
@@ -7284,7 +7281,7 @@
           <a:p>
             <a:fld id="{E26E0DA5-0C76-4851-AA82-0B75261F9EB4}" type="datetimeFigureOut">
               <a:rPr lang="en-US" smtClean="0"/>
-              <a:t>1/9/2022</a:t>
+              <a:t>3/16/2022</a:t>
             </a:fld>
             <a:endParaRPr lang="en-US"/>
           </a:p>
@@ -7495,7 +7492,7 @@
           <a:p>
             <a:fld id="{E26E0DA5-0C76-4851-AA82-0B75261F9EB4}" type="datetimeFigureOut">
               <a:rPr lang="en-US" smtClean="0"/>
-              <a:t>1/9/2022</a:t>
+              <a:t>3/16/2022</a:t>
             </a:fld>
             <a:endParaRPr lang="en-US"/>
           </a:p>
@@ -8052,7 +8049,7 @@
             <a:fld id="{425404F2-BE9A-4460-8815-8F645183555F}" type="datetimeFigureOut">
               <a:rPr lang="en-US" smtClean="0"/>
               <a:pPr/>
-              <a:t>1/9/2022</a:t>
+              <a:t>3/16/2022</a:t>
             </a:fld>
             <a:endParaRPr lang="en-US"/>
           </a:p>
@@ -8632,33 +8629,30 @@
                   <a:schemeClr val="bg1"/>
                 </a:solidFill>
               </a:rPr>
-              <a:t>Anurag </a:t>
-            </a:r>
-            <a:r>
-              <a:rPr lang="en-US" sz="3600" spc="-150" dirty="0" smtClean="0">
+              <a:t>Anubhav </a:t>
+            </a:r>
+            <a:r>
+              <a:rPr lang="en-US" sz="3600" spc="-150" dirty="0" err="1">
                 <a:solidFill>
                   <a:schemeClr val="bg1"/>
                 </a:solidFill>
               </a:rPr>
-              <a:t>Bajaj</a:t>
-            </a:r>
-          </a:p>
-          <a:p>
-            <a:r>
-              <a:rPr lang="en-US" sz="3600" spc="-150" dirty="0" smtClean="0">
-                <a:solidFill>
-                  <a:schemeClr val="bg1"/>
-                </a:solidFill>
-              </a:rPr>
-              <a:t>Day </a:t>
-            </a:r>
+              <a:t>Oberoy</a:t>
+            </a:r>
+            <a:endParaRPr lang="en-US" sz="3600" spc="-150" dirty="0">
+              <a:solidFill>
+                <a:schemeClr val="bg1"/>
+              </a:solidFill>
+            </a:endParaRPr>
+          </a:p>
+          <a:p>
             <a:r>
               <a:rPr lang="en-US" sz="3600" spc="-150" dirty="0">
                 <a:solidFill>
                   <a:schemeClr val="bg1"/>
                 </a:solidFill>
               </a:rPr>
-              <a:t>9</a:t>
+              <a:t>Day 9</a:t>
             </a:r>
           </a:p>
         </p:txBody>
@@ -8667,204 +8661,6 @@
     <p:extLst>
       <p:ext uri="{BB962C8B-B14F-4D97-AF65-F5344CB8AC3E}">
         <p14:creationId xmlns:p14="http://schemas.microsoft.com/office/powerpoint/2010/main" val="698128636"/>
-      </p:ext>
-    </p:extLst>
-  </p:cSld>
-  <p:clrMapOvr>
-    <a:masterClrMapping/>
-  </p:clrMapOvr>
-  <mc:AlternateContent xmlns:mc="http://schemas.openxmlformats.org/markup-compatibility/2006" xmlns:p14="http://schemas.microsoft.com/office/powerpoint/2010/main">
-    <mc:Choice Requires="p14">
-      <p:transition spd="med" p14:dur="700">
-        <p:fade/>
-      </p:transition>
-    </mc:Choice>
-    <mc:Fallback xmlns="">
-      <p:transition spd="med">
-        <p:fade/>
-      </p:transition>
-    </mc:Fallback>
-  </mc:AlternateContent>
-</p:sld>
-</file>
-
-<file path=ppt/slides/slide10.xml><?xml version="1.0" encoding="utf-8"?>
-<p:sld xmlns:a="http://schemas.openxmlformats.org/drawingml/2006/main" xmlns:r="http://schemas.openxmlformats.org/officeDocument/2006/relationships" xmlns:p="http://schemas.openxmlformats.org/presentationml/2006/main">
-  <p:cSld>
-    <p:bg>
-      <p:bgPr>
-        <a:solidFill>
-          <a:schemeClr val="bg1">
-            <a:lumMod val="95000"/>
-          </a:schemeClr>
-        </a:solidFill>
-        <a:effectLst/>
-      </p:bgPr>
-    </p:bg>
-    <p:spTree>
-      <p:nvGrpSpPr>
-        <p:cNvPr id="1" name=""/>
-        <p:cNvGrpSpPr/>
-        <p:nvPr/>
-      </p:nvGrpSpPr>
-      <p:grpSpPr>
-        <a:xfrm>
-          <a:off x="0" y="0"/>
-          <a:ext cx="0" cy="0"/>
-          <a:chOff x="0" y="0"/>
-          <a:chExt cx="0" cy="0"/>
-        </a:xfrm>
-      </p:grpSpPr>
-      <p:pic>
-        <p:nvPicPr>
-          <p:cNvPr id="2052" name="Picture 4" descr="Ski Jumping Arena - Free Presentation Templates">
-            <a:extLst>
-              <a:ext uri="{FF2B5EF4-FFF2-40B4-BE49-F238E27FC236}">
-                <a16:creationId xmlns:a16="http://schemas.microsoft.com/office/drawing/2014/main" id="{B0D7E6A1-F72A-4F69-B4FB-A4ED7A0C6CED}"/>
-              </a:ext>
-            </a:extLst>
-          </p:cNvPr>
-          <p:cNvPicPr>
-            <a:picLocks noChangeAspect="1" noChangeArrowheads="1"/>
-          </p:cNvPicPr>
-          <p:nvPr/>
-        </p:nvPicPr>
-        <p:blipFill rotWithShape="1">
-          <a:blip r:embed="rId3">
-            <a:extLst>
-              <a:ext uri="{28A0092B-C50C-407E-A947-70E740481C1C}">
-                <a14:useLocalDpi xmlns:a14="http://schemas.microsoft.com/office/drawing/2010/main" val="0"/>
-              </a:ext>
-            </a:extLst>
-          </a:blip>
-          <a:srcRect r="2246" b="2246"/>
-          <a:stretch/>
-        </p:blipFill>
-        <p:spPr bwMode="auto">
-          <a:xfrm>
-            <a:off x="0" y="0"/>
-            <a:ext cx="12192000" cy="6858000"/>
-          </a:xfrm>
-          <a:prstGeom prst="rect">
-            <a:avLst/>
-          </a:prstGeom>
-          <a:noFill/>
-          <a:extLst>
-            <a:ext uri="{909E8E84-426E-40DD-AFC4-6F175D3DCCD1}">
-              <a14:hiddenFill xmlns:a14="http://schemas.microsoft.com/office/drawing/2010/main">
-                <a:solidFill>
-                  <a:srgbClr val="FFFFFF"/>
-                </a:solidFill>
-              </a14:hiddenFill>
-            </a:ext>
-          </a:extLst>
-        </p:spPr>
-      </p:pic>
-      <p:sp>
-        <p:nvSpPr>
-          <p:cNvPr id="5" name="TextBox 4"/>
-          <p:cNvSpPr txBox="1"/>
-          <p:nvPr/>
-        </p:nvSpPr>
-        <p:spPr>
-          <a:xfrm>
-            <a:off x="1910833" y="3429000"/>
-            <a:ext cx="6629399" cy="1200329"/>
-          </a:xfrm>
-          <a:prstGeom prst="rect">
-            <a:avLst/>
-          </a:prstGeom>
-          <a:noFill/>
-        </p:spPr>
-        <p:txBody>
-          <a:bodyPr wrap="square" rtlCol="0">
-            <a:spAutoFit/>
-          </a:bodyPr>
-          <a:lstStyle/>
-          <a:p>
-            <a:pPr marL="0" marR="0" lvl="0" indent="0" algn="l" defTabSz="914400" rtl="0" eaLnBrk="1" fontAlgn="auto" latinLnBrk="0" hangingPunct="1">
-              <a:lnSpc>
-                <a:spcPct val="100000"/>
-              </a:lnSpc>
-              <a:spcBef>
-                <a:spcPts val="0"/>
-              </a:spcBef>
-              <a:spcAft>
-                <a:spcPts val="0"/>
-              </a:spcAft>
-              <a:buClrTx/>
-              <a:buSzTx/>
-              <a:buFontTx/>
-              <a:buNone/>
-              <a:tabLst/>
-              <a:defRPr/>
-            </a:pPr>
-            <a:r>
-              <a:rPr kumimoji="0" lang="en-US" sz="3600" b="0" i="0" u="none" strike="noStrike" kern="1200" cap="none" spc="-150" normalizeH="0" baseline="0" noProof="0" dirty="0">
-                <a:ln>
-                  <a:noFill/>
-                </a:ln>
-                <a:solidFill>
-                  <a:prstClr val="white"/>
-                </a:solidFill>
-                <a:effectLst/>
-                <a:uLnTx/>
-                <a:uFillTx/>
-                <a:latin typeface="Calibri" panose="020F0502020204030204"/>
-                <a:ea typeface="+mn-ea"/>
-                <a:cs typeface="+mn-cs"/>
-              </a:rPr>
-              <a:t>Anurag Bajaj</a:t>
-            </a:r>
-          </a:p>
-          <a:p>
-            <a:pPr marL="0" marR="0" lvl="0" indent="0" algn="l" defTabSz="914400" rtl="0" eaLnBrk="1" fontAlgn="auto" latinLnBrk="0" hangingPunct="1">
-              <a:lnSpc>
-                <a:spcPct val="100000"/>
-              </a:lnSpc>
-              <a:spcBef>
-                <a:spcPts val="0"/>
-              </a:spcBef>
-              <a:spcAft>
-                <a:spcPts val="0"/>
-              </a:spcAft>
-              <a:buClrTx/>
-              <a:buSzTx/>
-              <a:buFontTx/>
-              <a:buNone/>
-              <a:tabLst/>
-              <a:defRPr/>
-            </a:pPr>
-            <a:r>
-              <a:rPr lang="en-US" sz="3600" spc="-150" dirty="0">
-                <a:solidFill>
-                  <a:prstClr val="white"/>
-                </a:solidFill>
-                <a:latin typeface="Calibri" panose="020F0502020204030204"/>
-              </a:rPr>
-              <a:t>anurag.bajaj02@gmail.com</a:t>
-            </a:r>
-            <a:endParaRPr kumimoji="0" lang="en-US" sz="3600" b="0" i="0" u="none" strike="noStrike" kern="1200" cap="none" spc="-150" normalizeH="0" baseline="0" noProof="0" dirty="0">
-              <a:ln>
-                <a:noFill/>
-              </a:ln>
-              <a:solidFill>
-                <a:prstClr val="white"/>
-              </a:solidFill>
-              <a:effectLst/>
-              <a:uLnTx/>
-              <a:uFillTx/>
-              <a:latin typeface="Calibri" panose="020F0502020204030204"/>
-              <a:ea typeface="+mn-ea"/>
-              <a:cs typeface="+mn-cs"/>
-            </a:endParaRPr>
-          </a:p>
-        </p:txBody>
-      </p:sp>
-    </p:spTree>
-    <p:extLst>
-      <p:ext uri="{BB962C8B-B14F-4D97-AF65-F5344CB8AC3E}">
-        <p14:creationId xmlns:p14="http://schemas.microsoft.com/office/powerpoint/2010/main" val="132008300"/>
       </p:ext>
     </p:extLst>
   </p:cSld>
@@ -8980,8 +8776,31 @@
                 <a:ea typeface="+mj-ea"/>
                 <a:cs typeface="+mj-cs"/>
               </a:rPr>
-              <a:t>Agenda – Day 9</a:t>
-            </a:r>
+              <a:t>Agenda – Day </a:t>
+            </a:r>
+            <a:r>
+              <a:rPr lang="en-US" b="1" dirty="0">
+                <a:solidFill>
+                  <a:prstClr val="black"/>
+                </a:solidFill>
+                <a:latin typeface="Calibri Light" panose="020F0302020204030204"/>
+              </a:rPr>
+              <a:t>9</a:t>
+            </a:r>
+            <a:endParaRPr kumimoji="0" lang="en-US" sz="4400" b="1" i="0" u="none" strike="noStrike" kern="1200" cap="none" spc="0" normalizeH="0" baseline="0" noProof="0" dirty="0">
+              <a:ln>
+                <a:noFill/>
+              </a:ln>
+              <a:solidFill>
+                <a:prstClr val="black"/>
+              </a:solidFill>
+              <a:effectLst/>
+              <a:uLnTx/>
+              <a:uFillTx/>
+              <a:latin typeface="Calibri Light" panose="020F0302020204030204"/>
+              <a:ea typeface="+mj-ea"/>
+              <a:cs typeface="+mj-cs"/>
+            </a:endParaRPr>
           </a:p>
         </p:txBody>
       </p:sp>
@@ -9000,7 +8819,7 @@
         <p:spPr>
           <a:xfrm>
             <a:off x="247878" y="982353"/>
-            <a:ext cx="11696243" cy="2554545"/>
+            <a:ext cx="11696243" cy="1323439"/>
           </a:xfrm>
           <a:prstGeom prst="rect">
             <a:avLst/>
@@ -9045,150 +8864,7 @@
                 <a:ea typeface="+mn-ea"/>
                 <a:cs typeface="+mn-cs"/>
               </a:rPr>
-              <a:t>Regression </a:t>
-            </a:r>
-            <a:r>
-              <a:rPr kumimoji="0" lang="en-US" sz="1600" b="1" i="0" u="none" strike="noStrike" kern="1200" cap="none" spc="0" normalizeH="0" baseline="0" noProof="0" dirty="0" smtClean="0">
-                <a:ln>
-                  <a:noFill/>
-                </a:ln>
-                <a:solidFill>
-                  <a:prstClr val="black"/>
-                </a:solidFill>
-                <a:effectLst/>
-                <a:uLnTx/>
-                <a:uFillTx/>
-                <a:latin typeface="Calibri" panose="020F0502020204030204"/>
-                <a:ea typeface="+mn-ea"/>
-                <a:cs typeface="+mn-cs"/>
-              </a:rPr>
-              <a:t>Scenario</a:t>
-            </a:r>
-            <a:endParaRPr lang="en-US" sz="1600" dirty="0">
-              <a:solidFill>
-                <a:prstClr val="black"/>
-              </a:solidFill>
-            </a:endParaRPr>
-          </a:p>
-          <a:p>
-            <a:pPr marL="742950" lvl="1" indent="-285750">
-              <a:buFont typeface="Arial" panose="020B0604020202020204" pitchFamily="34" charset="0"/>
-              <a:buChar char="•"/>
-              <a:defRPr/>
-            </a:pPr>
-            <a:r>
-              <a:rPr lang="en-US" sz="1600" dirty="0" smtClean="0">
-                <a:solidFill>
-                  <a:prstClr val="black"/>
-                </a:solidFill>
-              </a:rPr>
-              <a:t>Our </a:t>
-            </a:r>
-            <a:r>
-              <a:rPr lang="en-US" sz="1600" dirty="0">
-                <a:solidFill>
-                  <a:prstClr val="black"/>
-                </a:solidFill>
-              </a:rPr>
-              <a:t>HR Scenario </a:t>
-            </a:r>
-            <a:endParaRPr lang="en-US" sz="1600" dirty="0">
-              <a:solidFill>
-                <a:prstClr val="black"/>
-              </a:solidFill>
-              <a:latin typeface="Calibri" panose="020F0502020204030204"/>
-            </a:endParaRPr>
-          </a:p>
-          <a:p>
-            <a:pPr marL="742950" lvl="1" indent="-285750">
-              <a:buFont typeface="Arial" panose="020B0604020202020204" pitchFamily="34" charset="0"/>
-              <a:buChar char="•"/>
-              <a:defRPr/>
-            </a:pPr>
-            <a:r>
-              <a:rPr lang="en-US" sz="1600" dirty="0" smtClean="0">
-                <a:solidFill>
-                  <a:prstClr val="black"/>
-                </a:solidFill>
-              </a:rPr>
-              <a:t>Implementing </a:t>
-            </a:r>
-            <a:r>
-              <a:rPr lang="en-US" sz="1600" dirty="0">
-                <a:solidFill>
-                  <a:prstClr val="black"/>
-                </a:solidFill>
-              </a:rPr>
-              <a:t>the Regression Scenario</a:t>
-            </a:r>
-            <a:endParaRPr kumimoji="0" lang="en-US" sz="1600" b="0" i="0" u="none" strike="noStrike" kern="1200" cap="none" spc="0" normalizeH="0" baseline="0" noProof="0" dirty="0" smtClean="0">
-              <a:ln>
-                <a:noFill/>
-              </a:ln>
-              <a:solidFill>
-                <a:prstClr val="black"/>
-              </a:solidFill>
-              <a:effectLst/>
-              <a:uLnTx/>
-              <a:uFillTx/>
-              <a:latin typeface="Calibri" panose="020F0502020204030204"/>
-              <a:ea typeface="+mn-ea"/>
-              <a:cs typeface="+mn-cs"/>
-            </a:endParaRPr>
-          </a:p>
-          <a:p>
-            <a:pPr lvl="1">
-              <a:defRPr/>
-            </a:pPr>
-            <a:endParaRPr kumimoji="0" lang="en-US" sz="1600" b="0" i="0" u="none" strike="noStrike" kern="1200" cap="none" spc="0" normalizeH="0" baseline="0" noProof="0" dirty="0">
-              <a:ln>
-                <a:noFill/>
-              </a:ln>
-              <a:solidFill>
-                <a:prstClr val="black"/>
-              </a:solidFill>
-              <a:effectLst/>
-              <a:uLnTx/>
-              <a:uFillTx/>
-              <a:latin typeface="Calibri" panose="020F0502020204030204"/>
-              <a:ea typeface="+mn-ea"/>
-              <a:cs typeface="+mn-cs"/>
-            </a:endParaRPr>
-          </a:p>
-          <a:p>
-            <a:pPr marL="0" marR="0" lvl="0" indent="0" algn="l" defTabSz="914400" rtl="0" eaLnBrk="1" fontAlgn="auto" latinLnBrk="0" hangingPunct="1">
-              <a:lnSpc>
-                <a:spcPct val="100000"/>
-              </a:lnSpc>
-              <a:spcBef>
-                <a:spcPts val="0"/>
-              </a:spcBef>
-              <a:spcAft>
-                <a:spcPts val="0"/>
-              </a:spcAft>
-              <a:buClrTx/>
-              <a:buSzTx/>
-              <a:buFontTx/>
-              <a:buNone/>
-              <a:tabLst/>
-              <a:defRPr/>
-            </a:pPr>
-            <a:r>
-              <a:rPr kumimoji="0" lang="en-US" sz="1600" b="0" i="0" u="none" strike="noStrike" kern="1200" cap="none" spc="0" normalizeH="0" baseline="0" noProof="0" dirty="0">
-                <a:ln>
-                  <a:noFill/>
-                </a:ln>
-                <a:solidFill>
-                  <a:prstClr val="black"/>
-                </a:solidFill>
-                <a:effectLst/>
-                <a:uLnTx/>
-                <a:uFillTx/>
-                <a:latin typeface="Calibri" panose="020F0502020204030204"/>
-                <a:ea typeface="+mn-ea"/>
-                <a:cs typeface="+mn-cs"/>
-              </a:rPr>
-              <a:t>---Break---</a:t>
+              <a:t>Understanding advance Designer Concepts</a:t>
             </a:r>
           </a:p>
           <a:p>
@@ -9225,153 +8901,11 @@
             </a:endParaRPr>
           </a:p>
           <a:p>
-            <a:pPr marL="0" marR="0" lvl="0" indent="0" algn="l" defTabSz="914400" rtl="0" eaLnBrk="1" fontAlgn="auto" latinLnBrk="0" hangingPunct="1">
-              <a:lnSpc>
-                <a:spcPct val="100000"/>
-              </a:lnSpc>
-              <a:spcBef>
-                <a:spcPts val="0"/>
-              </a:spcBef>
-              <a:spcAft>
-                <a:spcPts val="0"/>
-              </a:spcAft>
-              <a:buClrTx/>
-              <a:buSzTx/>
-              <a:buFontTx/>
-              <a:buNone/>
-              <a:tabLst/>
-              <a:defRPr/>
-            </a:pPr>
-            <a:r>
-              <a:rPr kumimoji="0" lang="en-US" sz="1600" b="1" i="0" u="none" strike="noStrike" kern="1200" cap="none" spc="0" normalizeH="0" baseline="0" noProof="0" dirty="0">
-                <a:ln>
-                  <a:noFill/>
-                </a:ln>
-                <a:solidFill>
-                  <a:prstClr val="black"/>
-                </a:solidFill>
-                <a:effectLst/>
-                <a:uLnTx/>
-                <a:uFillTx/>
-                <a:latin typeface="Calibri" panose="020F0502020204030204"/>
-                <a:ea typeface="+mn-ea"/>
-                <a:cs typeface="+mn-cs"/>
-              </a:rPr>
-              <a:t>Time Series </a:t>
-            </a:r>
-            <a:r>
-              <a:rPr kumimoji="0" lang="en-US" sz="1600" b="1" i="0" u="none" strike="noStrike" kern="1200" cap="none" spc="0" normalizeH="0" baseline="0" noProof="0" dirty="0" smtClean="0">
-                <a:ln>
-                  <a:noFill/>
-                </a:ln>
-                <a:solidFill>
-                  <a:prstClr val="black"/>
-                </a:solidFill>
-                <a:effectLst/>
-                <a:uLnTx/>
-                <a:uFillTx/>
-                <a:latin typeface="Calibri" panose="020F0502020204030204"/>
-                <a:ea typeface="+mn-ea"/>
-                <a:cs typeface="+mn-cs"/>
-              </a:rPr>
-              <a:t>Scenario</a:t>
-            </a:r>
-          </a:p>
-          <a:p>
             <a:pPr marL="742950" lvl="1" indent="-285750">
               <a:buFont typeface="Arial" panose="020B0604020202020204" pitchFamily="34" charset="0"/>
               <a:buChar char="•"/>
               <a:defRPr/>
             </a:pPr>
-            <a:r>
-              <a:rPr lang="en-US" sz="1600" dirty="0" smtClean="0">
-                <a:solidFill>
-                  <a:prstClr val="black"/>
-                </a:solidFill>
-              </a:rPr>
-              <a:t>Introduction </a:t>
-            </a:r>
-            <a:r>
-              <a:rPr lang="en-US" sz="1600" dirty="0">
-                <a:solidFill>
-                  <a:prstClr val="black"/>
-                </a:solidFill>
-              </a:rPr>
-              <a:t>to segmented time </a:t>
-            </a:r>
-            <a:r>
-              <a:rPr lang="en-US" sz="1600" dirty="0" smtClean="0">
-                <a:solidFill>
-                  <a:prstClr val="black"/>
-                </a:solidFill>
-              </a:rPr>
-              <a:t>series</a:t>
-            </a:r>
-            <a:endParaRPr lang="en-US" sz="1600" dirty="0">
-              <a:solidFill>
-                <a:prstClr val="black"/>
-              </a:solidFill>
-              <a:latin typeface="Calibri" panose="020F0502020204030204"/>
-            </a:endParaRPr>
-          </a:p>
-          <a:p>
-            <a:pPr marL="742950" lvl="1" indent="-285750">
-              <a:buFont typeface="Arial" panose="020B0604020202020204" pitchFamily="34" charset="0"/>
-              <a:buChar char="•"/>
-              <a:defRPr/>
-            </a:pPr>
-            <a:r>
-              <a:rPr lang="en-US" sz="1600" dirty="0" smtClean="0">
-                <a:solidFill>
-                  <a:prstClr val="black"/>
-                </a:solidFill>
-                <a:latin typeface="Calibri" panose="020F0502020204030204"/>
-              </a:rPr>
-              <a:t>S</a:t>
-            </a:r>
-            <a:r>
-              <a:rPr kumimoji="0" lang="en-US" sz="1600" b="0" i="0" u="none" strike="noStrike" kern="1200" cap="none" spc="0" normalizeH="0" baseline="0" noProof="0" dirty="0" err="1" smtClean="0">
-                <a:ln>
-                  <a:noFill/>
-                </a:ln>
-                <a:solidFill>
-                  <a:prstClr val="black"/>
-                </a:solidFill>
-                <a:effectLst/>
-                <a:uLnTx/>
-                <a:uFillTx/>
-                <a:latin typeface="Calibri" panose="020F0502020204030204"/>
-                <a:ea typeface="+mn-ea"/>
-                <a:cs typeface="+mn-cs"/>
-              </a:rPr>
-              <a:t>egmented</a:t>
-            </a:r>
-            <a:r>
-              <a:rPr lang="en-US" sz="1600" dirty="0">
-                <a:solidFill>
-                  <a:prstClr val="black"/>
-                </a:solidFill>
-                <a:latin typeface="Calibri" panose="020F0502020204030204"/>
-              </a:rPr>
-              <a:t> </a:t>
-            </a:r>
-            <a:r>
-              <a:rPr kumimoji="0" lang="en-US" sz="1600" b="0" i="0" u="none" strike="noStrike" kern="1200" cap="none" spc="0" normalizeH="0" baseline="0" noProof="0" dirty="0" smtClean="0">
-                <a:ln>
-                  <a:noFill/>
-                </a:ln>
-                <a:solidFill>
-                  <a:prstClr val="black"/>
-                </a:solidFill>
-                <a:effectLst/>
-                <a:uLnTx/>
-                <a:uFillTx/>
-                <a:latin typeface="Calibri" panose="020F0502020204030204"/>
-                <a:ea typeface="+mn-ea"/>
-                <a:cs typeface="+mn-cs"/>
-              </a:rPr>
-              <a:t>TimeSeries </a:t>
-            </a:r>
             <a:r>
               <a:rPr kumimoji="0" lang="en-US" sz="1600" b="0" i="0" u="none" strike="noStrike" kern="1200" cap="none" spc="0" normalizeH="0" baseline="0" noProof="0" dirty="0">
                 <a:ln>
@@ -9387,10 +8921,17 @@
                 <a:ea typeface="+mn-ea"/>
                 <a:cs typeface="+mn-cs"/>
               </a:rPr>
-              <a:t>Scenario </a:t>
-            </a:r>
-            <a:r>
-              <a:rPr kumimoji="0" lang="en-US" sz="1600" b="0" i="0" u="none" strike="noStrike" kern="1200" cap="none" spc="0" normalizeH="0" baseline="0" noProof="0" dirty="0" smtClean="0">
+              <a:t>Working with Scripting Hierarchies</a:t>
+            </a:r>
+          </a:p>
+          <a:p>
+            <a:pPr marL="742950" lvl="1" indent="-285750">
+              <a:buFont typeface="Arial" panose="020B0604020202020204" pitchFamily="34" charset="0"/>
+              <a:buChar char="•"/>
+              <a:defRPr/>
+            </a:pPr>
+            <a:r>
+              <a:rPr kumimoji="0" lang="en-US" sz="1600" b="0" i="0" u="none" strike="noStrike" kern="1200" cap="none" spc="0" normalizeH="0" baseline="0" noProof="0" dirty="0">
                 <a:ln>
                   <a:noFill/>
                 </a:ln>
@@ -9404,7 +8945,31 @@
                 <a:ea typeface="+mn-ea"/>
                 <a:cs typeface="+mn-cs"/>
               </a:rPr>
-              <a:t>Introduction</a:t>
+              <a:t>Transfer Context</a:t>
+            </a:r>
+          </a:p>
+          <a:p>
+            <a:pPr marL="742950" lvl="1" indent="-285750">
+              <a:buFont typeface="Arial" panose="020B0604020202020204" pitchFamily="34" charset="0"/>
+              <a:buChar char="•"/>
+              <a:defRPr/>
+            </a:pPr>
+            <a:r>
+              <a:rPr kumimoji="0" lang="en-US" sz="1600" b="0" i="0" u="none" strike="noStrike" kern="1200" cap="none" spc="0" normalizeH="0" baseline="0" noProof="0" dirty="0">
+                <a:ln>
+                  <a:noFill/>
+                </a:ln>
+                <a:solidFill>
+                  <a:prstClr val="black"/>
+                </a:solidFill>
+                <a:effectLst/>
+                <a:uLnTx/>
+                <a:uFillTx/>
+                <a:latin typeface="Calibri" panose="020F0502020204030204"/>
+                <a:ea typeface="+mn-ea"/>
+                <a:cs typeface="+mn-cs"/>
+              </a:rPr>
+              <a:t>Integrate Stories</a:t>
             </a:r>
             <a:r>
               <a:rPr lang="en-US" sz="1600" dirty="0">
@@ -9413,7 +8978,7 @@
                 </a:solidFill>
                 <a:latin typeface="Calibri" panose="020F0502020204030204"/>
               </a:rPr>
-              <a:t>	</a:t>
+              <a:t>		</a:t>
             </a:r>
             <a:endParaRPr kumimoji="0" lang="en-US" sz="1600" b="0" i="0" u="none" strike="noStrike" kern="1200" cap="none" spc="0" normalizeH="0" baseline="0" noProof="0" dirty="0">
               <a:ln>
@@ -9430,48 +8995,6 @@
               <a:cs typeface="+mn-cs"/>
             </a:endParaRPr>
           </a:p>
-          <a:p>
-            <a:pPr marL="0" marR="0" lvl="0" indent="0" algn="l" defTabSz="914400" rtl="0" eaLnBrk="1" fontAlgn="auto" latinLnBrk="0" hangingPunct="1">
-              <a:lnSpc>
-                <a:spcPct val="100000"/>
-              </a:lnSpc>
-              <a:spcBef>
-                <a:spcPts val="0"/>
-              </a:spcBef>
-              <a:spcAft>
-                <a:spcPts val="0"/>
-              </a:spcAft>
-              <a:buClrTx/>
-              <a:buSzTx/>
-              <a:buFontTx/>
-              <a:buNone/>
-              <a:tabLst/>
-              <a:defRPr/>
-            </a:pPr>
-            <a:r>
-              <a:rPr lang="en-US" sz="1600" dirty="0">
-                <a:solidFill>
-                  <a:prstClr val="black"/>
-                </a:solidFill>
-                <a:latin typeface="Calibri" panose="020F0502020204030204"/>
-              </a:rPr>
-              <a:t>	</a:t>
-            </a:r>
-            <a:endParaRPr kumimoji="0" lang="en-US" sz="1600" b="0" i="0" u="none" strike="noStrike" kern="1200" cap="none" spc="0" normalizeH="0" baseline="0" noProof="0" dirty="0">
-              <a:ln>
-                <a:noFill/>
-              </a:ln>
-              <a:solidFill>
-                <a:prstClr val="black"/>
-              </a:solidFill>
-              <a:effectLst/>
-              <a:uLnTx/>
-              <a:uFillTx/>
-              <a:latin typeface="Calibri" panose="020F0502020204030204"/>
-              <a:ea typeface="+mn-ea"/>
-              <a:cs typeface="+mn-cs"/>
-            </a:endParaRPr>
-          </a:p>
         </p:txBody>
       </p:sp>
       <p:sp>
@@ -9488,7 +9011,7 @@
         </p:nvSpPr>
         <p:spPr>
           <a:xfrm>
-            <a:off x="4943872" y="6550224"/>
+            <a:off x="4943872" y="6523330"/>
             <a:ext cx="3456384" cy="307777"/>
           </a:xfrm>
           <a:prstGeom prst="rect">
@@ -9580,16 +9103,10 @@
           <a:lstStyle/>
           <a:p>
             <a:r>
-              <a:rPr lang="en-IN" dirty="0">
-                <a:solidFill>
-                  <a:schemeClr val="tx2">
-                    <a:lumMod val="60000"/>
-                    <a:lumOff val="40000"/>
-                  </a:schemeClr>
-                </a:solidFill>
-                <a:latin typeface="Patua One" pitchFamily="2" charset="0"/>
+              <a:rPr lang="en-US" dirty="0">
+                <a:latin typeface="Cooper Black" panose="0208090404030B020404" pitchFamily="18" charset="0"/>
               </a:rPr>
-              <a:t>Regression Scenario</a:t>
+              <a:t>Creating Analytic Designer Application  </a:t>
             </a:r>
           </a:p>
         </p:txBody>
@@ -9721,24 +9238,22 @@
       </p:cxnSp>
       <p:pic>
         <p:nvPicPr>
-          <p:cNvPr id="2" name="Picture 1">
-            <a:hlinkClick r:id="rId3"/>
-          </p:cNvPr>
+          <p:cNvPr id="7" name="Picture 6"/>
           <p:cNvPicPr>
             <a:picLocks noChangeAspect="1"/>
           </p:cNvPicPr>
           <p:nvPr/>
         </p:nvPicPr>
         <p:blipFill>
-          <a:blip r:embed="rId4"/>
+          <a:blip r:embed="rId3"/>
           <a:stretch>
             <a:fillRect/>
           </a:stretch>
         </p:blipFill>
         <p:spPr>
           <a:xfrm>
-            <a:off x="1764781" y="1130254"/>
-            <a:ext cx="7399822" cy="5242678"/>
+            <a:off x="1356807" y="1417997"/>
+            <a:ext cx="9592857" cy="4687333"/>
           </a:xfrm>
           <a:prstGeom prst="rect">
             <a:avLst/>
@@ -9748,7 +9263,7 @@
     </p:spTree>
     <p:extLst>
       <p:ext uri="{BB962C8B-B14F-4D97-AF65-F5344CB8AC3E}">
-        <p14:creationId xmlns:p14="http://schemas.microsoft.com/office/powerpoint/2010/main" val="3346383638"/>
+        <p14:creationId xmlns:p14="http://schemas.microsoft.com/office/powerpoint/2010/main" val="1977926479"/>
       </p:ext>
     </p:extLst>
   </p:cSld>
@@ -9780,1207 +9295,6 @@
       </p:grpSpPr>
       <p:sp>
         <p:nvSpPr>
-          <p:cNvPr id="11" name="Title 10"/>
-          <p:cNvSpPr>
-            <a:spLocks noGrp="1"/>
-          </p:cNvSpPr>
-          <p:nvPr>
-            <p:ph type="title"/>
-          </p:nvPr>
-        </p:nvSpPr>
-        <p:spPr>
-          <a:xfrm>
-            <a:off x="-20279" y="41354"/>
-            <a:ext cx="10969943" cy="711081"/>
-          </a:xfrm>
-        </p:spPr>
-        <p:txBody>
-          <a:bodyPr>
-            <a:noAutofit/>
-          </a:bodyPr>
-          <a:lstStyle/>
-          <a:p>
-            <a:r>
-              <a:rPr lang="en-IN" dirty="0">
-                <a:solidFill>
-                  <a:schemeClr val="tx2">
-                    <a:lumMod val="60000"/>
-                    <a:lumOff val="40000"/>
-                  </a:schemeClr>
-                </a:solidFill>
-                <a:latin typeface="Patua One" pitchFamily="2" charset="0"/>
-              </a:rPr>
-              <a:t>Segmented Time Series</a:t>
-            </a:r>
-          </a:p>
-        </p:txBody>
-      </p:sp>
-      <p:sp>
-        <p:nvSpPr>
-          <p:cNvPr id="37" name="TextBox 36">
-            <a:extLst>
-              <a:ext uri="{FF2B5EF4-FFF2-40B4-BE49-F238E27FC236}">
-                <a16:creationId xmlns:a16="http://schemas.microsoft.com/office/drawing/2014/main" id="{E8CAC22F-1542-4031-BC6C-A16989886504}"/>
-              </a:ext>
-            </a:extLst>
-          </p:cNvPr>
-          <p:cNvSpPr txBox="1"/>
-          <p:nvPr/>
-        </p:nvSpPr>
-        <p:spPr>
-          <a:xfrm>
-            <a:off x="4943872" y="6550224"/>
-            <a:ext cx="3456384" cy="307777"/>
-          </a:xfrm>
-          <a:prstGeom prst="rect">
-            <a:avLst/>
-          </a:prstGeom>
-          <a:noFill/>
-        </p:spPr>
-        <p:txBody>
-          <a:bodyPr wrap="square" rtlCol="0">
-            <a:spAutoFit/>
-          </a:bodyPr>
-          <a:lstStyle/>
-          <a:p>
-            <a:pPr defTabSz="1218987">
-              <a:defRPr/>
-            </a:pPr>
-            <a:r>
-              <a:rPr lang="en-US" sz="1400" b="1" dirty="0">
-                <a:solidFill>
-                  <a:prstClr val="black"/>
-                </a:solidFill>
-                <a:latin typeface="Arial Rounded MT Bold" panose="020F0704030504030204" pitchFamily="34" charset="0"/>
-                <a:ea typeface="Arial Unicode MS" panose="020B0604020202020204" pitchFamily="34" charset="-128"/>
-                <a:cs typeface="Arial Unicode MS" panose="020B0604020202020204" pitchFamily="34" charset="-128"/>
-              </a:rPr>
-              <a:t>www.anubhavtrainings.com</a:t>
-            </a:r>
-            <a:endParaRPr lang="en-IN" sz="1400" b="1" dirty="0">
-              <a:solidFill>
-                <a:prstClr val="black"/>
-              </a:solidFill>
-              <a:latin typeface="Arial Rounded MT Bold" panose="020F0704030504030204" pitchFamily="34" charset="0"/>
-              <a:ea typeface="Arial Unicode MS" panose="020B0604020202020204" pitchFamily="34" charset="-128"/>
-              <a:cs typeface="Arial Unicode MS" panose="020B0604020202020204" pitchFamily="34" charset="-128"/>
-            </a:endParaRPr>
-          </a:p>
-        </p:txBody>
-      </p:sp>
-      <p:pic>
-        <p:nvPicPr>
-          <p:cNvPr id="40" name="Picture 39">
-            <a:extLst>
-              <a:ext uri="{FF2B5EF4-FFF2-40B4-BE49-F238E27FC236}">
-                <a16:creationId xmlns:a16="http://schemas.microsoft.com/office/drawing/2014/main" id="{DA60E6FB-8C44-4FEB-B6E9-83DA908565CD}"/>
-              </a:ext>
-            </a:extLst>
-          </p:cNvPr>
-          <p:cNvPicPr>
-            <a:picLocks noChangeAspect="1"/>
-          </p:cNvPicPr>
-          <p:nvPr/>
-        </p:nvPicPr>
-        <p:blipFill>
-          <a:blip r:embed="rId2">
-            <a:extLst>
-              <a:ext uri="{28A0092B-C50C-407E-A947-70E740481C1C}">
-                <a14:useLocalDpi xmlns:a14="http://schemas.microsoft.com/office/drawing/2010/main" val="0"/>
-              </a:ext>
-            </a:extLst>
-          </a:blip>
-          <a:stretch>
-            <a:fillRect/>
-          </a:stretch>
-        </p:blipFill>
-        <p:spPr>
-          <a:xfrm>
-            <a:off x="9624393" y="106009"/>
-            <a:ext cx="2335203" cy="762895"/>
-          </a:xfrm>
-          <a:prstGeom prst="rect">
-            <a:avLst/>
-          </a:prstGeom>
-        </p:spPr>
-      </p:pic>
-      <p:cxnSp>
-        <p:nvCxnSpPr>
-          <p:cNvPr id="41" name="Straight Connector 40">
-            <a:extLst>
-              <a:ext uri="{FF2B5EF4-FFF2-40B4-BE49-F238E27FC236}">
-                <a16:creationId xmlns:a16="http://schemas.microsoft.com/office/drawing/2014/main" id="{3B3B7D73-CAE9-45AC-ACCE-FAEF4E505C7A}"/>
-              </a:ext>
-            </a:extLst>
-          </p:cNvPr>
-          <p:cNvCxnSpPr/>
-          <p:nvPr/>
-        </p:nvCxnSpPr>
-        <p:spPr>
-          <a:xfrm>
-            <a:off x="1588" y="764704"/>
-            <a:ext cx="6479584" cy="0"/>
-          </a:xfrm>
-          <a:prstGeom prst="line">
-            <a:avLst/>
-          </a:prstGeom>
-        </p:spPr>
-        <p:style>
-          <a:lnRef idx="2">
-            <a:schemeClr val="accent6"/>
-          </a:lnRef>
-          <a:fillRef idx="0">
-            <a:schemeClr val="accent6"/>
-          </a:fillRef>
-          <a:effectRef idx="1">
-            <a:schemeClr val="accent6"/>
-          </a:effectRef>
-          <a:fontRef idx="minor">
-            <a:schemeClr val="tx1"/>
-          </a:fontRef>
-        </p:style>
-      </p:cxnSp>
-      <p:sp>
-        <p:nvSpPr>
-          <p:cNvPr id="4" name="Content Placeholder 3">
-            <a:extLst>
-              <a:ext uri="{FF2B5EF4-FFF2-40B4-BE49-F238E27FC236}">
-                <a16:creationId xmlns:a16="http://schemas.microsoft.com/office/drawing/2014/main" id="{CBEDC674-543C-4D80-800A-9884F43347D6}"/>
-              </a:ext>
-            </a:extLst>
-          </p:cNvPr>
-          <p:cNvSpPr>
-            <a:spLocks noGrp="1"/>
-          </p:cNvSpPr>
-          <p:nvPr>
-            <p:ph sz="quarter" idx="13"/>
-          </p:nvPr>
-        </p:nvSpPr>
-        <p:spPr>
-          <a:xfrm>
-            <a:off x="152400" y="932701"/>
-            <a:ext cx="11807195" cy="4401294"/>
-          </a:xfrm>
-        </p:spPr>
-        <p:txBody>
-          <a:bodyPr/>
-          <a:lstStyle/>
-          <a:p>
-            <a:r>
-              <a:rPr lang="en-US" dirty="0"/>
-              <a:t>Our goal is to determine target variable which is of continuous nature we use the Segmented time series. The Time series has following differences as compared to Regression</a:t>
-            </a:r>
-          </a:p>
-          <a:p>
-            <a:pPr marL="457200" indent="-457200">
-              <a:buAutoNum type="arabicPeriod"/>
-            </a:pPr>
-            <a:r>
-              <a:rPr lang="en-US" dirty="0"/>
-              <a:t>The Trend</a:t>
-            </a:r>
-          </a:p>
-          <a:p>
-            <a:pPr marL="457200" indent="-457200">
-              <a:buAutoNum type="arabicPeriod"/>
-            </a:pPr>
-            <a:r>
-              <a:rPr lang="en-US" dirty="0"/>
-              <a:t>The X axis is always Time function</a:t>
-            </a:r>
-          </a:p>
-          <a:p>
-            <a:pPr marL="457200" indent="-457200">
-              <a:buAutoNum type="arabicPeriod"/>
-            </a:pPr>
-            <a:r>
-              <a:rPr lang="en-US" dirty="0"/>
-              <a:t>When we want to segmentize the values, Segment is also known as entity. </a:t>
-            </a:r>
-          </a:p>
-        </p:txBody>
-      </p:sp>
-      <p:sp>
-        <p:nvSpPr>
-          <p:cNvPr id="2" name="Rectangle 1">
-            <a:extLst>
-              <a:ext uri="{FF2B5EF4-FFF2-40B4-BE49-F238E27FC236}">
-                <a16:creationId xmlns:a16="http://schemas.microsoft.com/office/drawing/2014/main" id="{037C36F8-BD94-4AF7-B045-22902851CE18}"/>
-              </a:ext>
-            </a:extLst>
-          </p:cNvPr>
-          <p:cNvSpPr/>
-          <p:nvPr/>
-        </p:nvSpPr>
-        <p:spPr>
-          <a:xfrm>
-            <a:off x="1676400" y="3352801"/>
-            <a:ext cx="8686800" cy="2666983"/>
-          </a:xfrm>
-          <a:prstGeom prst="rect">
-            <a:avLst/>
-          </a:prstGeom>
-        </p:spPr>
-        <p:style>
-          <a:lnRef idx="2">
-            <a:schemeClr val="accent6">
-              <a:shade val="50000"/>
-            </a:schemeClr>
-          </a:lnRef>
-          <a:fillRef idx="1">
-            <a:schemeClr val="accent6"/>
-          </a:fillRef>
-          <a:effectRef idx="0">
-            <a:schemeClr val="accent6"/>
-          </a:effectRef>
-          <a:fontRef idx="minor">
-            <a:schemeClr val="lt1"/>
-          </a:fontRef>
-        </p:style>
-        <p:txBody>
-          <a:bodyPr rtlCol="0" anchor="ctr"/>
-          <a:lstStyle/>
-          <a:p>
-            <a:pPr algn="ctr"/>
-            <a:endParaRPr lang="en-US"/>
-          </a:p>
-        </p:txBody>
-      </p:sp>
-      <p:cxnSp>
-        <p:nvCxnSpPr>
-          <p:cNvPr id="5" name="Straight Arrow Connector 4">
-            <a:extLst>
-              <a:ext uri="{FF2B5EF4-FFF2-40B4-BE49-F238E27FC236}">
-                <a16:creationId xmlns:a16="http://schemas.microsoft.com/office/drawing/2014/main" id="{4CD5F51D-CFE9-407C-A5BD-9F241F269190}"/>
-              </a:ext>
-            </a:extLst>
-          </p:cNvPr>
-          <p:cNvCxnSpPr/>
-          <p:nvPr/>
-        </p:nvCxnSpPr>
-        <p:spPr>
-          <a:xfrm>
-            <a:off x="1219200" y="4648200"/>
-            <a:ext cx="1143000" cy="0"/>
-          </a:xfrm>
-          <a:prstGeom prst="straightConnector1">
-            <a:avLst/>
-          </a:prstGeom>
-          <a:ln>
-            <a:tailEnd type="triangle"/>
-          </a:ln>
-        </p:spPr>
-        <p:style>
-          <a:lnRef idx="1">
-            <a:schemeClr val="accent1"/>
-          </a:lnRef>
-          <a:fillRef idx="0">
-            <a:schemeClr val="accent1"/>
-          </a:fillRef>
-          <a:effectRef idx="0">
-            <a:schemeClr val="accent1"/>
-          </a:effectRef>
-          <a:fontRef idx="minor">
-            <a:schemeClr val="tx1"/>
-          </a:fontRef>
-        </p:style>
-      </p:cxnSp>
-      <p:sp>
-        <p:nvSpPr>
-          <p:cNvPr id="6" name="Rectangle 5">
-            <a:extLst>
-              <a:ext uri="{FF2B5EF4-FFF2-40B4-BE49-F238E27FC236}">
-                <a16:creationId xmlns:a16="http://schemas.microsoft.com/office/drawing/2014/main" id="{C0A56AD8-D4C4-44F2-BC7E-647E390D7D61}"/>
-              </a:ext>
-            </a:extLst>
-          </p:cNvPr>
-          <p:cNvSpPr/>
-          <p:nvPr/>
-        </p:nvSpPr>
-        <p:spPr>
-          <a:xfrm>
-            <a:off x="2362200" y="4229104"/>
-            <a:ext cx="1600200" cy="838192"/>
-          </a:xfrm>
-          <a:prstGeom prst="rect">
-            <a:avLst/>
-          </a:prstGeom>
-        </p:spPr>
-        <p:style>
-          <a:lnRef idx="2">
-            <a:schemeClr val="accent1">
-              <a:shade val="50000"/>
-            </a:schemeClr>
-          </a:lnRef>
-          <a:fillRef idx="1">
-            <a:schemeClr val="accent1"/>
-          </a:fillRef>
-          <a:effectRef idx="0">
-            <a:schemeClr val="accent1"/>
-          </a:effectRef>
-          <a:fontRef idx="minor">
-            <a:schemeClr val="lt1"/>
-          </a:fontRef>
-        </p:style>
-        <p:txBody>
-          <a:bodyPr rtlCol="0" anchor="ctr"/>
-          <a:lstStyle/>
-          <a:p>
-            <a:pPr algn="ctr"/>
-            <a:r>
-              <a:rPr lang="en-US" dirty="0"/>
-              <a:t>Trend</a:t>
-            </a:r>
-          </a:p>
-        </p:txBody>
-      </p:sp>
-      <p:sp>
-        <p:nvSpPr>
-          <p:cNvPr id="7" name="Rectangle 6">
-            <a:extLst>
-              <a:ext uri="{FF2B5EF4-FFF2-40B4-BE49-F238E27FC236}">
-                <a16:creationId xmlns:a16="http://schemas.microsoft.com/office/drawing/2014/main" id="{B2483A8E-B645-449B-9D3A-FC709053DBCF}"/>
-              </a:ext>
-            </a:extLst>
-          </p:cNvPr>
-          <p:cNvSpPr/>
-          <p:nvPr/>
-        </p:nvSpPr>
-        <p:spPr>
-          <a:xfrm>
-            <a:off x="5067345" y="4229104"/>
-            <a:ext cx="1600200" cy="838192"/>
-          </a:xfrm>
-          <a:prstGeom prst="rect">
-            <a:avLst/>
-          </a:prstGeom>
-        </p:spPr>
-        <p:style>
-          <a:lnRef idx="2">
-            <a:schemeClr val="accent1">
-              <a:shade val="50000"/>
-            </a:schemeClr>
-          </a:lnRef>
-          <a:fillRef idx="1">
-            <a:schemeClr val="accent1"/>
-          </a:fillRef>
-          <a:effectRef idx="0">
-            <a:schemeClr val="accent1"/>
-          </a:effectRef>
-          <a:fontRef idx="minor">
-            <a:schemeClr val="lt1"/>
-          </a:fontRef>
-        </p:style>
-        <p:txBody>
-          <a:bodyPr rtlCol="0" anchor="ctr"/>
-          <a:lstStyle/>
-          <a:p>
-            <a:pPr algn="ctr"/>
-            <a:r>
-              <a:rPr lang="en-US" dirty="0"/>
-              <a:t>Cycles</a:t>
-            </a:r>
-          </a:p>
-        </p:txBody>
-      </p:sp>
-      <p:cxnSp>
-        <p:nvCxnSpPr>
-          <p:cNvPr id="13" name="Straight Arrow Connector 12">
-            <a:extLst>
-              <a:ext uri="{FF2B5EF4-FFF2-40B4-BE49-F238E27FC236}">
-                <a16:creationId xmlns:a16="http://schemas.microsoft.com/office/drawing/2014/main" id="{323D7B94-52FA-48EA-AC6B-95BAE93D31CD}"/>
-              </a:ext>
-            </a:extLst>
-          </p:cNvPr>
-          <p:cNvCxnSpPr>
-            <a:stCxn id="6" idx="3"/>
-            <a:endCxn id="7" idx="1"/>
-          </p:cNvCxnSpPr>
-          <p:nvPr/>
-        </p:nvCxnSpPr>
-        <p:spPr>
-          <a:xfrm>
-            <a:off x="3962401" y="4648200"/>
-            <a:ext cx="1104945" cy="0"/>
-          </a:xfrm>
-          <a:prstGeom prst="straightConnector1">
-            <a:avLst/>
-          </a:prstGeom>
-          <a:ln>
-            <a:tailEnd type="triangle"/>
-          </a:ln>
-        </p:spPr>
-        <p:style>
-          <a:lnRef idx="1">
-            <a:schemeClr val="accent1"/>
-          </a:lnRef>
-          <a:fillRef idx="0">
-            <a:schemeClr val="accent1"/>
-          </a:fillRef>
-          <a:effectRef idx="0">
-            <a:schemeClr val="accent1"/>
-          </a:effectRef>
-          <a:fontRef idx="minor">
-            <a:schemeClr val="tx1"/>
-          </a:fontRef>
-        </p:style>
-      </p:cxnSp>
-      <p:cxnSp>
-        <p:nvCxnSpPr>
-          <p:cNvPr id="36" name="Straight Arrow Connector 35">
-            <a:extLst>
-              <a:ext uri="{FF2B5EF4-FFF2-40B4-BE49-F238E27FC236}">
-                <a16:creationId xmlns:a16="http://schemas.microsoft.com/office/drawing/2014/main" id="{3CDDCFF6-C654-48A2-80F1-E5E444D59F54}"/>
-              </a:ext>
-            </a:extLst>
-          </p:cNvPr>
-          <p:cNvCxnSpPr>
-            <a:stCxn id="7" idx="3"/>
-          </p:cNvCxnSpPr>
-          <p:nvPr/>
-        </p:nvCxnSpPr>
-        <p:spPr>
-          <a:xfrm>
-            <a:off x="6667546" y="4648200"/>
-            <a:ext cx="952455" cy="0"/>
-          </a:xfrm>
-          <a:prstGeom prst="straightConnector1">
-            <a:avLst/>
-          </a:prstGeom>
-          <a:ln>
-            <a:tailEnd type="triangle"/>
-          </a:ln>
-        </p:spPr>
-        <p:style>
-          <a:lnRef idx="1">
-            <a:schemeClr val="accent1"/>
-          </a:lnRef>
-          <a:fillRef idx="0">
-            <a:schemeClr val="accent1"/>
-          </a:fillRef>
-          <a:effectRef idx="0">
-            <a:schemeClr val="accent1"/>
-          </a:effectRef>
-          <a:fontRef idx="minor">
-            <a:schemeClr val="tx1"/>
-          </a:fontRef>
-        </p:style>
-      </p:cxnSp>
-      <p:sp>
-        <p:nvSpPr>
-          <p:cNvPr id="38" name="Rectangle 37">
-            <a:extLst>
-              <a:ext uri="{FF2B5EF4-FFF2-40B4-BE49-F238E27FC236}">
-                <a16:creationId xmlns:a16="http://schemas.microsoft.com/office/drawing/2014/main" id="{C8E36453-D393-4D03-BECE-C3CA294B8AD2}"/>
-              </a:ext>
-            </a:extLst>
-          </p:cNvPr>
-          <p:cNvSpPr/>
-          <p:nvPr/>
-        </p:nvSpPr>
-        <p:spPr>
-          <a:xfrm>
-            <a:off x="7618097" y="4229104"/>
-            <a:ext cx="1600200" cy="838192"/>
-          </a:xfrm>
-          <a:prstGeom prst="rect">
-            <a:avLst/>
-          </a:prstGeom>
-        </p:spPr>
-        <p:style>
-          <a:lnRef idx="2">
-            <a:schemeClr val="accent1">
-              <a:shade val="50000"/>
-            </a:schemeClr>
-          </a:lnRef>
-          <a:fillRef idx="1">
-            <a:schemeClr val="accent1"/>
-          </a:fillRef>
-          <a:effectRef idx="0">
-            <a:schemeClr val="accent1"/>
-          </a:effectRef>
-          <a:fontRef idx="minor">
-            <a:schemeClr val="lt1"/>
-          </a:fontRef>
-        </p:style>
-        <p:txBody>
-          <a:bodyPr rtlCol="0" anchor="ctr"/>
-          <a:lstStyle/>
-          <a:p>
-            <a:pPr algn="ctr"/>
-            <a:r>
-              <a:rPr lang="en-US" dirty="0"/>
-              <a:t>Fluctuations and Noise</a:t>
-            </a:r>
-          </a:p>
-        </p:txBody>
-      </p:sp>
-      <p:cxnSp>
-        <p:nvCxnSpPr>
-          <p:cNvPr id="43" name="Straight Arrow Connector 42">
-            <a:extLst>
-              <a:ext uri="{FF2B5EF4-FFF2-40B4-BE49-F238E27FC236}">
-                <a16:creationId xmlns:a16="http://schemas.microsoft.com/office/drawing/2014/main" id="{2DA78E7E-6A5C-4634-AF75-894AB016D2DA}"/>
-              </a:ext>
-            </a:extLst>
-          </p:cNvPr>
-          <p:cNvCxnSpPr>
-            <a:stCxn id="38" idx="3"/>
-          </p:cNvCxnSpPr>
-          <p:nvPr/>
-        </p:nvCxnSpPr>
-        <p:spPr>
-          <a:xfrm>
-            <a:off x="9218297" y="4648200"/>
-            <a:ext cx="1754504" cy="0"/>
-          </a:xfrm>
-          <a:prstGeom prst="straightConnector1">
-            <a:avLst/>
-          </a:prstGeom>
-          <a:ln>
-            <a:tailEnd type="triangle"/>
-          </a:ln>
-        </p:spPr>
-        <p:style>
-          <a:lnRef idx="1">
-            <a:schemeClr val="accent1"/>
-          </a:lnRef>
-          <a:fillRef idx="0">
-            <a:schemeClr val="accent1"/>
-          </a:fillRef>
-          <a:effectRef idx="0">
-            <a:schemeClr val="accent1"/>
-          </a:effectRef>
-          <a:fontRef idx="minor">
-            <a:schemeClr val="tx1"/>
-          </a:fontRef>
-        </p:style>
-      </p:cxnSp>
-    </p:spTree>
-    <p:extLst>
-      <p:ext uri="{BB962C8B-B14F-4D97-AF65-F5344CB8AC3E}">
-        <p14:creationId xmlns:p14="http://schemas.microsoft.com/office/powerpoint/2010/main" val="2401731643"/>
-      </p:ext>
-    </p:extLst>
-  </p:cSld>
-  <p:clrMapOvr>
-    <a:masterClrMapping/>
-  </p:clrMapOvr>
-  <p:transition spd="slow">
-    <p:push dir="u"/>
-  </p:transition>
-</p:sld>
-</file>
-
-<file path=ppt/slides/slide5.xml><?xml version="1.0" encoding="utf-8"?>
-<p:sld xmlns:a="http://schemas.openxmlformats.org/drawingml/2006/main" xmlns:r="http://schemas.openxmlformats.org/officeDocument/2006/relationships" xmlns:p="http://schemas.openxmlformats.org/presentationml/2006/main">
-  <p:cSld>
-    <p:spTree>
-      <p:nvGrpSpPr>
-        <p:cNvPr id="1" name=""/>
-        <p:cNvGrpSpPr/>
-        <p:nvPr/>
-      </p:nvGrpSpPr>
-      <p:grpSpPr>
-        <a:xfrm>
-          <a:off x="0" y="0"/>
-          <a:ext cx="0" cy="0"/>
-          <a:chOff x="0" y="0"/>
-          <a:chExt cx="0" cy="0"/>
-        </a:xfrm>
-      </p:grpSpPr>
-      <p:sp>
-        <p:nvSpPr>
-          <p:cNvPr id="11" name="Title 10"/>
-          <p:cNvSpPr>
-            <a:spLocks noGrp="1"/>
-          </p:cNvSpPr>
-          <p:nvPr>
-            <p:ph type="title"/>
-          </p:nvPr>
-        </p:nvSpPr>
-        <p:spPr>
-          <a:xfrm>
-            <a:off x="-20279" y="41354"/>
-            <a:ext cx="10969943" cy="711081"/>
-          </a:xfrm>
-        </p:spPr>
-        <p:txBody>
-          <a:bodyPr>
-            <a:noAutofit/>
-          </a:bodyPr>
-          <a:lstStyle/>
-          <a:p>
-            <a:r>
-              <a:rPr lang="en-IN" dirty="0">
-                <a:solidFill>
-                  <a:schemeClr val="tx2">
-                    <a:lumMod val="60000"/>
-                    <a:lumOff val="40000"/>
-                  </a:schemeClr>
-                </a:solidFill>
-                <a:latin typeface="Patua One" pitchFamily="2" charset="0"/>
-              </a:rPr>
-              <a:t>Time Series Demo Scenario</a:t>
-            </a:r>
-          </a:p>
-        </p:txBody>
-      </p:sp>
-      <p:sp>
-        <p:nvSpPr>
-          <p:cNvPr id="37" name="TextBox 36">
-            <a:extLst>
-              <a:ext uri="{FF2B5EF4-FFF2-40B4-BE49-F238E27FC236}">
-                <a16:creationId xmlns:a16="http://schemas.microsoft.com/office/drawing/2014/main" id="{E8CAC22F-1542-4031-BC6C-A16989886504}"/>
-              </a:ext>
-            </a:extLst>
-          </p:cNvPr>
-          <p:cNvSpPr txBox="1"/>
-          <p:nvPr/>
-        </p:nvSpPr>
-        <p:spPr>
-          <a:xfrm>
-            <a:off x="4943872" y="6550224"/>
-            <a:ext cx="3456384" cy="307777"/>
-          </a:xfrm>
-          <a:prstGeom prst="rect">
-            <a:avLst/>
-          </a:prstGeom>
-          <a:noFill/>
-        </p:spPr>
-        <p:txBody>
-          <a:bodyPr wrap="square" rtlCol="0">
-            <a:spAutoFit/>
-          </a:bodyPr>
-          <a:lstStyle/>
-          <a:p>
-            <a:pPr defTabSz="1218987">
-              <a:defRPr/>
-            </a:pPr>
-            <a:r>
-              <a:rPr lang="en-US" sz="1400" b="1" dirty="0">
-                <a:solidFill>
-                  <a:prstClr val="black"/>
-                </a:solidFill>
-                <a:latin typeface="Arial Rounded MT Bold" panose="020F0704030504030204" pitchFamily="34" charset="0"/>
-                <a:ea typeface="Arial Unicode MS" panose="020B0604020202020204" pitchFamily="34" charset="-128"/>
-                <a:cs typeface="Arial Unicode MS" panose="020B0604020202020204" pitchFamily="34" charset="-128"/>
-              </a:rPr>
-              <a:t>www.anubhavtrainings.com</a:t>
-            </a:r>
-            <a:endParaRPr lang="en-IN" sz="1400" b="1" dirty="0">
-              <a:solidFill>
-                <a:prstClr val="black"/>
-              </a:solidFill>
-              <a:latin typeface="Arial Rounded MT Bold" panose="020F0704030504030204" pitchFamily="34" charset="0"/>
-              <a:ea typeface="Arial Unicode MS" panose="020B0604020202020204" pitchFamily="34" charset="-128"/>
-              <a:cs typeface="Arial Unicode MS" panose="020B0604020202020204" pitchFamily="34" charset="-128"/>
-            </a:endParaRPr>
-          </a:p>
-        </p:txBody>
-      </p:sp>
-      <p:pic>
-        <p:nvPicPr>
-          <p:cNvPr id="40" name="Picture 39">
-            <a:extLst>
-              <a:ext uri="{FF2B5EF4-FFF2-40B4-BE49-F238E27FC236}">
-                <a16:creationId xmlns:a16="http://schemas.microsoft.com/office/drawing/2014/main" id="{DA60E6FB-8C44-4FEB-B6E9-83DA908565CD}"/>
-              </a:ext>
-            </a:extLst>
-          </p:cNvPr>
-          <p:cNvPicPr>
-            <a:picLocks noChangeAspect="1"/>
-          </p:cNvPicPr>
-          <p:nvPr/>
-        </p:nvPicPr>
-        <p:blipFill>
-          <a:blip r:embed="rId2">
-            <a:extLst>
-              <a:ext uri="{28A0092B-C50C-407E-A947-70E740481C1C}">
-                <a14:useLocalDpi xmlns:a14="http://schemas.microsoft.com/office/drawing/2010/main" val="0"/>
-              </a:ext>
-            </a:extLst>
-          </a:blip>
-          <a:stretch>
-            <a:fillRect/>
-          </a:stretch>
-        </p:blipFill>
-        <p:spPr>
-          <a:xfrm>
-            <a:off x="9624393" y="106009"/>
-            <a:ext cx="2335203" cy="762895"/>
-          </a:xfrm>
-          <a:prstGeom prst="rect">
-            <a:avLst/>
-          </a:prstGeom>
-        </p:spPr>
-      </p:pic>
-      <p:cxnSp>
-        <p:nvCxnSpPr>
-          <p:cNvPr id="41" name="Straight Connector 40">
-            <a:extLst>
-              <a:ext uri="{FF2B5EF4-FFF2-40B4-BE49-F238E27FC236}">
-                <a16:creationId xmlns:a16="http://schemas.microsoft.com/office/drawing/2014/main" id="{3B3B7D73-CAE9-45AC-ACCE-FAEF4E505C7A}"/>
-              </a:ext>
-            </a:extLst>
-          </p:cNvPr>
-          <p:cNvCxnSpPr/>
-          <p:nvPr/>
-        </p:nvCxnSpPr>
-        <p:spPr>
-          <a:xfrm>
-            <a:off x="1588" y="764704"/>
-            <a:ext cx="6479584" cy="0"/>
-          </a:xfrm>
-          <a:prstGeom prst="line">
-            <a:avLst/>
-          </a:prstGeom>
-        </p:spPr>
-        <p:style>
-          <a:lnRef idx="2">
-            <a:schemeClr val="accent6"/>
-          </a:lnRef>
-          <a:fillRef idx="0">
-            <a:schemeClr val="accent6"/>
-          </a:fillRef>
-          <a:effectRef idx="1">
-            <a:schemeClr val="accent6"/>
-          </a:effectRef>
-          <a:fontRef idx="minor">
-            <a:schemeClr val="tx1"/>
-          </a:fontRef>
-        </p:style>
-      </p:cxnSp>
-      <p:sp>
-        <p:nvSpPr>
-          <p:cNvPr id="7" name="TextBox 6">
-            <a:extLst>
-              <a:ext uri="{FF2B5EF4-FFF2-40B4-BE49-F238E27FC236}">
-                <a16:creationId xmlns:a16="http://schemas.microsoft.com/office/drawing/2014/main" id="{8F13B9DB-B6C9-4C0D-95D8-6D1E04BB64DB}"/>
-              </a:ext>
-            </a:extLst>
-          </p:cNvPr>
-          <p:cNvSpPr txBox="1"/>
-          <p:nvPr/>
-        </p:nvSpPr>
-        <p:spPr>
-          <a:xfrm>
-            <a:off x="76200" y="990600"/>
-            <a:ext cx="11734800" cy="369332"/>
-          </a:xfrm>
-          <a:prstGeom prst="rect">
-            <a:avLst/>
-          </a:prstGeom>
-          <a:noFill/>
-        </p:spPr>
-        <p:txBody>
-          <a:bodyPr wrap="square">
-            <a:spAutoFit/>
-          </a:bodyPr>
-          <a:lstStyle/>
-          <a:p>
-            <a:r>
-              <a:rPr lang="en-US" dirty="0"/>
-              <a:t>Please refer the specification document shared by Anubhav.</a:t>
-            </a:r>
-          </a:p>
-        </p:txBody>
-      </p:sp>
-      <p:sp>
-        <p:nvSpPr>
-          <p:cNvPr id="2" name="TextBox 1">
-            <a:extLst>
-              <a:ext uri="{FF2B5EF4-FFF2-40B4-BE49-F238E27FC236}">
-                <a16:creationId xmlns:a16="http://schemas.microsoft.com/office/drawing/2014/main" id="{EB9D4EE7-D3FD-45F4-96B6-92DEBAFDFD2B}"/>
-              </a:ext>
-            </a:extLst>
-          </p:cNvPr>
-          <p:cNvSpPr txBox="1"/>
-          <p:nvPr/>
-        </p:nvSpPr>
-        <p:spPr>
-          <a:xfrm>
-            <a:off x="76201" y="1524001"/>
-            <a:ext cx="12114213" cy="2585323"/>
-          </a:xfrm>
-          <a:prstGeom prst="rect">
-            <a:avLst/>
-          </a:prstGeom>
-          <a:noFill/>
-        </p:spPr>
-        <p:txBody>
-          <a:bodyPr wrap="square" rtlCol="0">
-            <a:spAutoFit/>
-          </a:bodyPr>
-          <a:lstStyle/>
-          <a:p>
-            <a:pPr marL="457200" indent="-457200">
-              <a:buAutoNum type="arabicPeriod"/>
-            </a:pPr>
-            <a:r>
-              <a:rPr lang="en-US" dirty="0"/>
-              <a:t>Create a current Dataset</a:t>
-            </a:r>
-          </a:p>
-          <a:p>
-            <a:pPr marL="457200" indent="-457200">
-              <a:buAutoNum type="arabicPeriod"/>
-            </a:pPr>
-            <a:r>
-              <a:rPr lang="en-US" dirty="0"/>
-              <a:t>Create a new model – Simple Story – As of now </a:t>
-            </a:r>
-            <a:r>
-              <a:rPr lang="en-US" dirty="0" smtClean="0"/>
-              <a:t>what's </a:t>
-            </a:r>
-            <a:r>
-              <a:rPr lang="en-US" dirty="0"/>
-              <a:t>the state</a:t>
-            </a:r>
-          </a:p>
-          <a:p>
-            <a:pPr marL="457200" indent="-457200">
-              <a:buAutoNum type="arabicPeriod"/>
-            </a:pPr>
-            <a:r>
-              <a:rPr lang="en-US" dirty="0"/>
-              <a:t>Create a new predictive scenario</a:t>
-            </a:r>
-          </a:p>
-          <a:p>
-            <a:pPr marL="457200" indent="-457200">
-              <a:buAutoNum type="arabicPeriod"/>
-            </a:pPr>
-            <a:r>
-              <a:rPr lang="en-US" dirty="0"/>
-              <a:t>And choose segment(Entity) as State</a:t>
-            </a:r>
-          </a:p>
-          <a:p>
-            <a:pPr marL="457200" indent="-457200">
-              <a:buAutoNum type="arabicPeriod"/>
-            </a:pPr>
-            <a:r>
-              <a:rPr lang="en-US" dirty="0"/>
-              <a:t>Create a Segmented Time Series Predictive Model for REVENUE</a:t>
-            </a:r>
-          </a:p>
-          <a:p>
-            <a:pPr marL="457200" indent="-457200">
-              <a:buAutoNum type="arabicPeriod"/>
-            </a:pPr>
-            <a:r>
-              <a:rPr lang="en-US" dirty="0"/>
-              <a:t>Copy the model and repeat for EXPENDITURE</a:t>
-            </a:r>
-          </a:p>
-          <a:p>
-            <a:pPr marL="457200" indent="-457200">
-              <a:buAutoNum type="arabicPeriod"/>
-            </a:pPr>
-            <a:r>
-              <a:rPr lang="en-US" dirty="0"/>
-              <a:t>We will create 2 Data sets, 1 BI Model for Each Dataset</a:t>
-            </a:r>
-          </a:p>
-          <a:p>
-            <a:pPr marL="457200" indent="-457200">
-              <a:buAutoNum type="arabicPeriod"/>
-            </a:pPr>
-            <a:r>
-              <a:rPr lang="en-US" dirty="0"/>
-              <a:t>Finally show the Revenue and Exp. In our existing Dashboard</a:t>
-            </a:r>
-          </a:p>
-          <a:p>
-            <a:pPr marL="457200" indent="-457200">
-              <a:buAutoNum type="arabicPeriod"/>
-            </a:pPr>
-            <a:endParaRPr lang="en-US" dirty="0"/>
-          </a:p>
-        </p:txBody>
-      </p:sp>
-    </p:spTree>
-    <p:extLst>
-      <p:ext uri="{BB962C8B-B14F-4D97-AF65-F5344CB8AC3E}">
-        <p14:creationId xmlns:p14="http://schemas.microsoft.com/office/powerpoint/2010/main" val="3628688251"/>
-      </p:ext>
-    </p:extLst>
-  </p:cSld>
-  <p:clrMapOvr>
-    <a:masterClrMapping/>
-  </p:clrMapOvr>
-  <p:transition spd="slow">
-    <p:push dir="u"/>
-  </p:transition>
-</p:sld>
-</file>
-
-<file path=ppt/slides/slide6.xml><?xml version="1.0" encoding="utf-8"?>
-<p:sld xmlns:a="http://schemas.openxmlformats.org/drawingml/2006/main" xmlns:r="http://schemas.openxmlformats.org/officeDocument/2006/relationships" xmlns:p="http://schemas.openxmlformats.org/presentationml/2006/main">
-  <p:cSld>
-    <p:spTree>
-      <p:nvGrpSpPr>
-        <p:cNvPr id="1" name=""/>
-        <p:cNvGrpSpPr/>
-        <p:nvPr/>
-      </p:nvGrpSpPr>
-      <p:grpSpPr>
-        <a:xfrm>
-          <a:off x="0" y="0"/>
-          <a:ext cx="0" cy="0"/>
-          <a:chOff x="0" y="0"/>
-          <a:chExt cx="0" cy="0"/>
-        </a:xfrm>
-      </p:grpSpPr>
-      <p:sp>
-        <p:nvSpPr>
-          <p:cNvPr id="11" name="Title 10"/>
-          <p:cNvSpPr>
-            <a:spLocks noGrp="1"/>
-          </p:cNvSpPr>
-          <p:nvPr>
-            <p:ph type="title"/>
-          </p:nvPr>
-        </p:nvSpPr>
-        <p:spPr>
-          <a:xfrm>
-            <a:off x="-20279" y="41354"/>
-            <a:ext cx="10969943" cy="711081"/>
-          </a:xfrm>
-        </p:spPr>
-        <p:txBody>
-          <a:bodyPr>
-            <a:noAutofit/>
-          </a:bodyPr>
-          <a:lstStyle/>
-          <a:p>
-            <a:r>
-              <a:rPr lang="en-IN" dirty="0">
-                <a:solidFill>
-                  <a:schemeClr val="tx2">
-                    <a:lumMod val="60000"/>
-                    <a:lumOff val="40000"/>
-                  </a:schemeClr>
-                </a:solidFill>
-                <a:latin typeface="Patua One" pitchFamily="2" charset="0"/>
-              </a:rPr>
-              <a:t>Time </a:t>
-            </a:r>
-            <a:r>
-              <a:rPr lang="en-IN" dirty="0" smtClean="0">
-                <a:solidFill>
-                  <a:schemeClr val="tx2">
-                    <a:lumMod val="60000"/>
-                    <a:lumOff val="40000"/>
-                  </a:schemeClr>
-                </a:solidFill>
-                <a:latin typeface="Patua One" pitchFamily="2" charset="0"/>
-              </a:rPr>
-              <a:t>Series </a:t>
-            </a:r>
-            <a:r>
-              <a:rPr lang="en-IN" dirty="0">
-                <a:solidFill>
-                  <a:schemeClr val="tx2">
-                    <a:lumMod val="60000"/>
-                    <a:lumOff val="40000"/>
-                  </a:schemeClr>
-                </a:solidFill>
-                <a:latin typeface="Patua One" pitchFamily="2" charset="0"/>
-              </a:rPr>
-              <a:t>Scenario</a:t>
-            </a:r>
-          </a:p>
-        </p:txBody>
-      </p:sp>
-      <p:sp>
-        <p:nvSpPr>
-          <p:cNvPr id="37" name="TextBox 36">
-            <a:extLst>
-              <a:ext uri="{FF2B5EF4-FFF2-40B4-BE49-F238E27FC236}">
-                <a16:creationId xmlns:a16="http://schemas.microsoft.com/office/drawing/2014/main" id="{E8CAC22F-1542-4031-BC6C-A16989886504}"/>
-              </a:ext>
-            </a:extLst>
-          </p:cNvPr>
-          <p:cNvSpPr txBox="1"/>
-          <p:nvPr/>
-        </p:nvSpPr>
-        <p:spPr>
-          <a:xfrm>
-            <a:off x="4943872" y="6550224"/>
-            <a:ext cx="3456384" cy="307777"/>
-          </a:xfrm>
-          <a:prstGeom prst="rect">
-            <a:avLst/>
-          </a:prstGeom>
-          <a:noFill/>
-        </p:spPr>
-        <p:txBody>
-          <a:bodyPr wrap="square" rtlCol="0">
-            <a:spAutoFit/>
-          </a:bodyPr>
-          <a:lstStyle/>
-          <a:p>
-            <a:pPr defTabSz="1218987">
-              <a:defRPr/>
-            </a:pPr>
-            <a:r>
-              <a:rPr lang="en-US" sz="1400" b="1" dirty="0">
-                <a:solidFill>
-                  <a:prstClr val="black"/>
-                </a:solidFill>
-                <a:latin typeface="Arial Rounded MT Bold" panose="020F0704030504030204" pitchFamily="34" charset="0"/>
-                <a:ea typeface="Arial Unicode MS" panose="020B0604020202020204" pitchFamily="34" charset="-128"/>
-                <a:cs typeface="Arial Unicode MS" panose="020B0604020202020204" pitchFamily="34" charset="-128"/>
-              </a:rPr>
-              <a:t>www.anubhavtrainings.com</a:t>
-            </a:r>
-            <a:endParaRPr lang="en-IN" sz="1400" b="1" dirty="0">
-              <a:solidFill>
-                <a:prstClr val="black"/>
-              </a:solidFill>
-              <a:latin typeface="Arial Rounded MT Bold" panose="020F0704030504030204" pitchFamily="34" charset="0"/>
-              <a:ea typeface="Arial Unicode MS" panose="020B0604020202020204" pitchFamily="34" charset="-128"/>
-              <a:cs typeface="Arial Unicode MS" panose="020B0604020202020204" pitchFamily="34" charset="-128"/>
-            </a:endParaRPr>
-          </a:p>
-        </p:txBody>
-      </p:sp>
-      <p:pic>
-        <p:nvPicPr>
-          <p:cNvPr id="40" name="Picture 39">
-            <a:extLst>
-              <a:ext uri="{FF2B5EF4-FFF2-40B4-BE49-F238E27FC236}">
-                <a16:creationId xmlns:a16="http://schemas.microsoft.com/office/drawing/2014/main" id="{DA60E6FB-8C44-4FEB-B6E9-83DA908565CD}"/>
-              </a:ext>
-            </a:extLst>
-          </p:cNvPr>
-          <p:cNvPicPr>
-            <a:picLocks noChangeAspect="1"/>
-          </p:cNvPicPr>
-          <p:nvPr/>
-        </p:nvPicPr>
-        <p:blipFill>
-          <a:blip r:embed="rId2">
-            <a:extLst>
-              <a:ext uri="{28A0092B-C50C-407E-A947-70E740481C1C}">
-                <a14:useLocalDpi xmlns:a14="http://schemas.microsoft.com/office/drawing/2010/main" val="0"/>
-              </a:ext>
-            </a:extLst>
-          </a:blip>
-          <a:stretch>
-            <a:fillRect/>
-          </a:stretch>
-        </p:blipFill>
-        <p:spPr>
-          <a:xfrm>
-            <a:off x="9624393" y="106009"/>
-            <a:ext cx="2335203" cy="762895"/>
-          </a:xfrm>
-          <a:prstGeom prst="rect">
-            <a:avLst/>
-          </a:prstGeom>
-        </p:spPr>
-      </p:pic>
-      <p:cxnSp>
-        <p:nvCxnSpPr>
-          <p:cNvPr id="41" name="Straight Connector 40">
-            <a:extLst>
-              <a:ext uri="{FF2B5EF4-FFF2-40B4-BE49-F238E27FC236}">
-                <a16:creationId xmlns:a16="http://schemas.microsoft.com/office/drawing/2014/main" id="{3B3B7D73-CAE9-45AC-ACCE-FAEF4E505C7A}"/>
-              </a:ext>
-            </a:extLst>
-          </p:cNvPr>
-          <p:cNvCxnSpPr/>
-          <p:nvPr/>
-        </p:nvCxnSpPr>
-        <p:spPr>
-          <a:xfrm>
-            <a:off x="1588" y="764704"/>
-            <a:ext cx="6479584" cy="0"/>
-          </a:xfrm>
-          <a:prstGeom prst="line">
-            <a:avLst/>
-          </a:prstGeom>
-        </p:spPr>
-        <p:style>
-          <a:lnRef idx="2">
-            <a:schemeClr val="accent6"/>
-          </a:lnRef>
-          <a:fillRef idx="0">
-            <a:schemeClr val="accent6"/>
-          </a:fillRef>
-          <a:effectRef idx="1">
-            <a:schemeClr val="accent6"/>
-          </a:effectRef>
-          <a:fontRef idx="minor">
-            <a:schemeClr val="tx1"/>
-          </a:fontRef>
-        </p:style>
-      </p:cxnSp>
-      <p:pic>
-        <p:nvPicPr>
-          <p:cNvPr id="3" name="Picture 2">
-            <a:hlinkClick r:id="rId3"/>
-          </p:cNvPr>
-          <p:cNvPicPr>
-            <a:picLocks noChangeAspect="1"/>
-          </p:cNvPicPr>
-          <p:nvPr/>
-        </p:nvPicPr>
-        <p:blipFill>
-          <a:blip r:embed="rId4"/>
-          <a:stretch>
-            <a:fillRect/>
-          </a:stretch>
-        </p:blipFill>
-        <p:spPr>
-          <a:xfrm>
-            <a:off x="1598025" y="1158111"/>
-            <a:ext cx="7733333" cy="5285714"/>
-          </a:xfrm>
-          <a:prstGeom prst="rect">
-            <a:avLst/>
-          </a:prstGeom>
-        </p:spPr>
-      </p:pic>
-    </p:spTree>
-    <p:extLst>
-      <p:ext uri="{BB962C8B-B14F-4D97-AF65-F5344CB8AC3E}">
-        <p14:creationId xmlns:p14="http://schemas.microsoft.com/office/powerpoint/2010/main" val="2789722100"/>
-      </p:ext>
-    </p:extLst>
-  </p:cSld>
-  <p:clrMapOvr>
-    <a:masterClrMapping/>
-  </p:clrMapOvr>
-  <p:transition spd="slow">
-    <p:push dir="u"/>
-  </p:transition>
-</p:sld>
-</file>
-
-<file path=ppt/slides/slide7.xml><?xml version="1.0" encoding="utf-8"?>
-<p:sld xmlns:a="http://schemas.openxmlformats.org/drawingml/2006/main" xmlns:r="http://schemas.openxmlformats.org/officeDocument/2006/relationships" xmlns:p="http://schemas.openxmlformats.org/presentationml/2006/main">
-  <p:cSld>
-    <p:spTree>
-      <p:nvGrpSpPr>
-        <p:cNvPr id="1" name=""/>
-        <p:cNvGrpSpPr/>
-        <p:nvPr/>
-      </p:nvGrpSpPr>
-      <p:grpSpPr>
-        <a:xfrm>
-          <a:off x="0" y="0"/>
-          <a:ext cx="0" cy="0"/>
-          <a:chOff x="0" y="0"/>
-          <a:chExt cx="0" cy="0"/>
-        </a:xfrm>
-      </p:grpSpPr>
-      <p:sp>
-        <p:nvSpPr>
           <p:cNvPr id="2" name="Title 3">
             <a:extLst>
               <a:ext uri="{FF2B5EF4-FFF2-40B4-BE49-F238E27FC236}">
@@ -11060,59 +9374,6 @@
               <a:rPr lang="en-US" sz="8000" b="1" dirty="0"/>
               <a:t>End of Day 9</a:t>
             </a:r>
-          </a:p>
-        </p:txBody>
-      </p:sp>
-      <p:sp>
-        <p:nvSpPr>
-          <p:cNvPr id="4" name="TextBox 3">
-            <a:extLst>
-              <a:ext uri="{FF2B5EF4-FFF2-40B4-BE49-F238E27FC236}">
-                <a16:creationId xmlns:a16="http://schemas.microsoft.com/office/drawing/2014/main" id="{E8CAC22F-1542-4031-BC6C-A16989886504}"/>
-              </a:ext>
-            </a:extLst>
-          </p:cNvPr>
-          <p:cNvSpPr txBox="1"/>
-          <p:nvPr/>
-        </p:nvSpPr>
-        <p:spPr>
-          <a:xfrm>
-            <a:off x="4943872" y="6536777"/>
-            <a:ext cx="3456384" cy="307777"/>
-          </a:xfrm>
-          <a:prstGeom prst="rect">
-            <a:avLst/>
-          </a:prstGeom>
-          <a:noFill/>
-        </p:spPr>
-        <p:txBody>
-          <a:bodyPr wrap="square" rtlCol="0">
-            <a:spAutoFit/>
-          </a:bodyPr>
-          <a:lstStyle/>
-          <a:p>
-            <a:pPr defTabSz="1218987">
-              <a:defRPr/>
-            </a:pPr>
-            <a:r>
-              <a:rPr lang="en-US" sz="1400" b="1" dirty="0">
-                <a:solidFill>
-                  <a:prstClr val="black"/>
-                </a:solidFill>
-                <a:latin typeface="Arial Rounded MT Bold" panose="020F0704030504030204" pitchFamily="34" charset="0"/>
-                <a:ea typeface="Arial Unicode MS" panose="020B0604020202020204" pitchFamily="34" charset="-128"/>
-                <a:cs typeface="Arial Unicode MS" panose="020B0604020202020204" pitchFamily="34" charset="-128"/>
-              </a:rPr>
-              <a:t>www.anubhavtrainings.com</a:t>
-            </a:r>
-            <a:endParaRPr lang="en-IN" sz="1400" b="1" dirty="0">
-              <a:solidFill>
-                <a:prstClr val="black"/>
-              </a:solidFill>
-              <a:latin typeface="Arial Rounded MT Bold" panose="020F0704030504030204" pitchFamily="34" charset="0"/>
-              <a:ea typeface="Arial Unicode MS" panose="020B0604020202020204" pitchFamily="34" charset="-128"/>
-              <a:cs typeface="Arial Unicode MS" panose="020B0604020202020204" pitchFamily="34" charset="-128"/>
-            </a:endParaRPr>
           </a:p>
         </p:txBody>
       </p:sp>
@@ -11129,87 +9390,7 @@
 </p:sld>
 </file>
 
-<file path=ppt/slides/slide8.xml><?xml version="1.0" encoding="utf-8"?>
-<p:sld xmlns:a="http://schemas.openxmlformats.org/drawingml/2006/main" xmlns:r="http://schemas.openxmlformats.org/officeDocument/2006/relationships" xmlns:p="http://schemas.openxmlformats.org/presentationml/2006/main">
-  <p:cSld>
-    <p:spTree>
-      <p:nvGrpSpPr>
-        <p:cNvPr id="1" name=""/>
-        <p:cNvGrpSpPr/>
-        <p:nvPr/>
-      </p:nvGrpSpPr>
-      <p:grpSpPr>
-        <a:xfrm>
-          <a:off x="0" y="0"/>
-          <a:ext cx="0" cy="0"/>
-          <a:chOff x="0" y="0"/>
-          <a:chExt cx="0" cy="0"/>
-        </a:xfrm>
-      </p:grpSpPr>
-      <p:sp>
-        <p:nvSpPr>
-          <p:cNvPr id="2" name="Title 1">
-            <a:extLst>
-              <a:ext uri="{FF2B5EF4-FFF2-40B4-BE49-F238E27FC236}">
-                <a16:creationId xmlns:a16="http://schemas.microsoft.com/office/drawing/2014/main" id="{29CB9E00-0397-4178-9E57-32DC82D3A8F7}"/>
-              </a:ext>
-            </a:extLst>
-          </p:cNvPr>
-          <p:cNvSpPr>
-            <a:spLocks noGrp="1"/>
-          </p:cNvSpPr>
-          <p:nvPr>
-            <p:ph type="title"/>
-          </p:nvPr>
-        </p:nvSpPr>
-        <p:spPr/>
-        <p:txBody>
-          <a:bodyPr/>
-          <a:lstStyle/>
-          <a:p>
-            <a:endParaRPr lang="en-US"/>
-          </a:p>
-        </p:txBody>
-      </p:sp>
-      <p:sp>
-        <p:nvSpPr>
-          <p:cNvPr id="3" name="Content Placeholder 2">
-            <a:extLst>
-              <a:ext uri="{FF2B5EF4-FFF2-40B4-BE49-F238E27FC236}">
-                <a16:creationId xmlns:a16="http://schemas.microsoft.com/office/drawing/2014/main" id="{73A078A5-4F35-4958-8384-CBBBD3DED2C3}"/>
-              </a:ext>
-            </a:extLst>
-          </p:cNvPr>
-          <p:cNvSpPr>
-            <a:spLocks noGrp="1"/>
-          </p:cNvSpPr>
-          <p:nvPr>
-            <p:ph sz="quarter" idx="13"/>
-          </p:nvPr>
-        </p:nvSpPr>
-        <p:spPr/>
-        <p:txBody>
-          <a:bodyPr/>
-          <a:lstStyle/>
-          <a:p>
-            <a:endParaRPr lang="en-US"/>
-          </a:p>
-        </p:txBody>
-      </p:sp>
-    </p:spTree>
-    <p:extLst>
-      <p:ext uri="{BB962C8B-B14F-4D97-AF65-F5344CB8AC3E}">
-        <p14:creationId xmlns:p14="http://schemas.microsoft.com/office/powerpoint/2010/main" val="3265325021"/>
-      </p:ext>
-    </p:extLst>
-  </p:cSld>
-  <p:clrMapOvr>
-    <a:masterClrMapping/>
-  </p:clrMapOvr>
-</p:sld>
-</file>
-
-<file path=ppt/slides/slide9.xml><?xml version="1.0" encoding="utf-8"?>
+<file path=ppt/slides/slide5.xml><?xml version="1.0" encoding="utf-8"?>
 <p:sld xmlns:a="http://schemas.openxmlformats.org/drawingml/2006/main" xmlns:r="http://schemas.openxmlformats.org/officeDocument/2006/relationships" xmlns:p="http://schemas.openxmlformats.org/presentationml/2006/main">
   <p:cSld>
     <p:spTree>
@@ -11306,22 +9487,101 @@
           </a:p>
         </p:txBody>
       </p:sp>
-      <p:sp>
-        <p:nvSpPr>
-          <p:cNvPr id="4" name="TextBox 3">
+    </p:spTree>
+    <p:extLst>
+      <p:ext uri="{BB962C8B-B14F-4D97-AF65-F5344CB8AC3E}">
+        <p14:creationId xmlns:p14="http://schemas.microsoft.com/office/powerpoint/2010/main" val="1308118299"/>
+      </p:ext>
+    </p:extLst>
+  </p:cSld>
+  <p:clrMapOvr>
+    <a:masterClrMapping/>
+  </p:clrMapOvr>
+</p:sld>
+</file>
+
+<file path=ppt/slides/slide6.xml><?xml version="1.0" encoding="utf-8"?>
+<p:sld xmlns:a="http://schemas.openxmlformats.org/drawingml/2006/main" xmlns:r="http://schemas.openxmlformats.org/officeDocument/2006/relationships" xmlns:p="http://schemas.openxmlformats.org/presentationml/2006/main">
+  <p:cSld>
+    <p:bg>
+      <p:bgPr>
+        <a:solidFill>
+          <a:schemeClr val="bg1">
+            <a:lumMod val="95000"/>
+          </a:schemeClr>
+        </a:solidFill>
+        <a:effectLst/>
+      </p:bgPr>
+    </p:bg>
+    <p:spTree>
+      <p:nvGrpSpPr>
+        <p:cNvPr id="1" name=""/>
+        <p:cNvGrpSpPr/>
+        <p:nvPr/>
+      </p:nvGrpSpPr>
+      <p:grpSpPr>
+        <a:xfrm>
+          <a:off x="0" y="0"/>
+          <a:ext cx="0" cy="0"/>
+          <a:chOff x="0" y="0"/>
+          <a:chExt cx="0" cy="0"/>
+        </a:xfrm>
+      </p:grpSpPr>
+      <p:pic>
+        <p:nvPicPr>
+          <p:cNvPr id="2052" name="Picture 4" descr="Ski Jumping Arena - Free Presentation Templates">
             <a:extLst>
               <a:ext uri="{FF2B5EF4-FFF2-40B4-BE49-F238E27FC236}">
-                <a16:creationId xmlns:a16="http://schemas.microsoft.com/office/drawing/2014/main" id="{E8CAC22F-1542-4031-BC6C-A16989886504}"/>
+                <a16:creationId xmlns:a16="http://schemas.microsoft.com/office/drawing/2014/main" id="{B0D7E6A1-F72A-4F69-B4FB-A4ED7A0C6CED}"/>
               </a:ext>
             </a:extLst>
           </p:cNvPr>
+          <p:cNvPicPr>
+            <a:picLocks noChangeAspect="1" noChangeArrowheads="1"/>
+          </p:cNvPicPr>
+          <p:nvPr/>
+        </p:nvPicPr>
+        <p:blipFill rotWithShape="1">
+          <a:blip r:embed="rId3">
+            <a:extLst>
+              <a:ext uri="{28A0092B-C50C-407E-A947-70E740481C1C}">
+                <a14:useLocalDpi xmlns:a14="http://schemas.microsoft.com/office/drawing/2010/main" val="0"/>
+              </a:ext>
+            </a:extLst>
+          </a:blip>
+          <a:srcRect r="2246" b="2246"/>
+          <a:stretch/>
+        </p:blipFill>
+        <p:spPr bwMode="auto">
+          <a:xfrm>
+            <a:off x="0" y="0"/>
+            <a:ext cx="12192000" cy="6858000"/>
+          </a:xfrm>
+          <a:prstGeom prst="rect">
+            <a:avLst/>
+          </a:prstGeom>
+          <a:noFill/>
+          <a:extLst>
+            <a:ext uri="{909E8E84-426E-40DD-AFC4-6F175D3DCCD1}">
+              <a14:hiddenFill xmlns:a14="http://schemas.microsoft.com/office/drawing/2010/main">
+                <a:solidFill>
+                  <a:srgbClr val="FFFFFF"/>
+                </a:solidFill>
+              </a14:hiddenFill>
+            </a:ext>
+          </a:extLst>
+        </p:spPr>
+      </p:pic>
+      <p:sp>
+        <p:nvSpPr>
+          <p:cNvPr id="5" name="TextBox 4"/>
           <p:cNvSpPr txBox="1"/>
           <p:nvPr/>
         </p:nvSpPr>
         <p:spPr>
           <a:xfrm>
-            <a:off x="4943872" y="6523330"/>
-            <a:ext cx="3456384" cy="307777"/>
+            <a:off x="1910833" y="3429000"/>
+            <a:ext cx="6629399" cy="1200329"/>
           </a:xfrm>
           <a:prstGeom prst="rect">
             <a:avLst/>
@@ -11334,27 +9594,88 @@
           </a:bodyPr>
           <a:lstStyle/>
           <a:p>
-            <a:pPr defTabSz="1218987">
+            <a:pPr marL="0" marR="0" lvl="0" indent="0" algn="l" defTabSz="914400" rtl="0" eaLnBrk="1" fontAlgn="auto" latinLnBrk="0" hangingPunct="1">
+              <a:lnSpc>
+                <a:spcPct val="100000"/>
+              </a:lnSpc>
+              <a:spcBef>
+                <a:spcPts val="0"/>
+              </a:spcBef>
+              <a:spcAft>
+                <a:spcPts val="0"/>
+              </a:spcAft>
+              <a:buClrTx/>
+              <a:buSzTx/>
+              <a:buFontTx/>
+              <a:buNone/>
+              <a:tabLst/>
               <a:defRPr/>
             </a:pPr>
             <a:r>
-              <a:rPr lang="en-US" sz="1400" b="1" dirty="0">
+              <a:rPr lang="en-US" sz="3600" spc="-150" dirty="0">
                 <a:solidFill>
-                  <a:prstClr val="black"/>
+                  <a:prstClr val="white"/>
                 </a:solidFill>
-                <a:latin typeface="Arial Rounded MT Bold" panose="020F0704030504030204" pitchFamily="34" charset="0"/>
-                <a:ea typeface="Arial Unicode MS" panose="020B0604020202020204" pitchFamily="34" charset="-128"/>
-                <a:cs typeface="Arial Unicode MS" panose="020B0604020202020204" pitchFamily="34" charset="-128"/>
+                <a:latin typeface="Calibri" panose="020F0502020204030204"/>
               </a:rPr>
-              <a:t>www.anubhavtrainings.com</a:t>
-            </a:r>
-            <a:endParaRPr lang="en-IN" sz="1400" b="1" dirty="0">
+              <a:t>Anubhav </a:t>
+            </a:r>
+            <a:r>
+              <a:rPr lang="en-US" sz="3600" spc="-150" dirty="0" err="1">
+                <a:solidFill>
+                  <a:prstClr val="white"/>
+                </a:solidFill>
+                <a:latin typeface="Calibri" panose="020F0502020204030204"/>
+              </a:rPr>
+              <a:t>Oberoy</a:t>
+            </a:r>
+            <a:endParaRPr lang="en-US" sz="3600" spc="-150" dirty="0">
               <a:solidFill>
-                <a:prstClr val="black"/>
+                <a:prstClr val="white"/>
               </a:solidFill>
-              <a:latin typeface="Arial Rounded MT Bold" panose="020F0704030504030204" pitchFamily="34" charset="0"/>
-              <a:ea typeface="Arial Unicode MS" panose="020B0604020202020204" pitchFamily="34" charset="-128"/>
-              <a:cs typeface="Arial Unicode MS" panose="020B0604020202020204" pitchFamily="34" charset="-128"/>
+              <a:latin typeface="Calibri" panose="020F0502020204030204"/>
+            </a:endParaRPr>
+          </a:p>
+          <a:p>
+            <a:pPr marL="0" marR="0" lvl="0" indent="0" algn="l" defTabSz="914400" rtl="0" eaLnBrk="1" fontAlgn="auto" latinLnBrk="0" hangingPunct="1">
+              <a:lnSpc>
+                <a:spcPct val="100000"/>
+              </a:lnSpc>
+              <a:spcBef>
+                <a:spcPts val="0"/>
+              </a:spcBef>
+              <a:spcAft>
+                <a:spcPts val="0"/>
+              </a:spcAft>
+              <a:buClrTx/>
+              <a:buSzTx/>
+              <a:buFontTx/>
+              <a:buNone/>
+              <a:tabLst/>
+              <a:defRPr/>
+            </a:pPr>
+            <a:r>
+              <a:rPr lang="en-US" sz="3600" spc="-150" dirty="0">
+                <a:solidFill>
+                  <a:prstClr val="white"/>
+                </a:solidFill>
+                <a:latin typeface="Calibri" panose="020F0502020204030204"/>
+              </a:rPr>
+              <a:t>anubhav.abap@gmail.com</a:t>
+            </a:r>
+            <a:endParaRPr kumimoji="0" lang="en-US" sz="3600" b="0" i="0" u="none" strike="noStrike" kern="1200" cap="none" spc="-150" normalizeH="0" baseline="0" noProof="0" dirty="0">
+              <a:ln>
+                <a:noFill/>
+              </a:ln>
+              <a:solidFill>
+                <a:prstClr val="white"/>
+              </a:solidFill>
+              <a:effectLst/>
+              <a:uLnTx/>
+              <a:uFillTx/>
+              <a:latin typeface="Calibri" panose="020F0502020204030204"/>
+              <a:ea typeface="+mn-ea"/>
+              <a:cs typeface="+mn-cs"/>
             </a:endParaRPr>
           </a:p>
         </p:txBody>
@@ -11362,7 +9683,99 @@
     </p:spTree>
     <p:extLst>
       <p:ext uri="{BB962C8B-B14F-4D97-AF65-F5344CB8AC3E}">
-        <p14:creationId xmlns:p14="http://schemas.microsoft.com/office/powerpoint/2010/main" val="1308118299"/>
+        <p14:creationId xmlns:p14="http://schemas.microsoft.com/office/powerpoint/2010/main" val="132008300"/>
+      </p:ext>
+    </p:extLst>
+  </p:cSld>
+  <p:clrMapOvr>
+    <a:masterClrMapping/>
+  </p:clrMapOvr>
+  <mc:AlternateContent xmlns:mc="http://schemas.openxmlformats.org/markup-compatibility/2006" xmlns:p14="http://schemas.microsoft.com/office/powerpoint/2010/main">
+    <mc:Choice Requires="p14">
+      <p:transition spd="med" p14:dur="700">
+        <p:fade/>
+      </p:transition>
+    </mc:Choice>
+    <mc:Fallback xmlns="">
+      <p:transition spd="med">
+        <p:fade/>
+      </p:transition>
+    </mc:Fallback>
+  </mc:AlternateContent>
+</p:sld>
+</file>
+
+<file path=ppt/slides/slide7.xml><?xml version="1.0" encoding="utf-8"?>
+<p:sld xmlns:a="http://schemas.openxmlformats.org/drawingml/2006/main" xmlns:r="http://schemas.openxmlformats.org/officeDocument/2006/relationships" xmlns:p="http://schemas.openxmlformats.org/presentationml/2006/main">
+  <p:cSld>
+    <p:spTree>
+      <p:nvGrpSpPr>
+        <p:cNvPr id="1" name=""/>
+        <p:cNvGrpSpPr/>
+        <p:nvPr/>
+      </p:nvGrpSpPr>
+      <p:grpSpPr>
+        <a:xfrm>
+          <a:off x="0" y="0"/>
+          <a:ext cx="0" cy="0"/>
+          <a:chOff x="0" y="0"/>
+          <a:chExt cx="0" cy="0"/>
+        </a:xfrm>
+      </p:grpSpPr>
+      <p:sp>
+        <p:nvSpPr>
+          <p:cNvPr id="2" name="Title 1">
+            <a:extLst>
+              <a:ext uri="{FF2B5EF4-FFF2-40B4-BE49-F238E27FC236}">
+                <a16:creationId xmlns:a16="http://schemas.microsoft.com/office/drawing/2014/main" id="{29CB9E00-0397-4178-9E57-32DC82D3A8F7}"/>
+              </a:ext>
+            </a:extLst>
+          </p:cNvPr>
+          <p:cNvSpPr>
+            <a:spLocks noGrp="1"/>
+          </p:cNvSpPr>
+          <p:nvPr>
+            <p:ph type="title"/>
+          </p:nvPr>
+        </p:nvSpPr>
+        <p:spPr/>
+        <p:txBody>
+          <a:bodyPr/>
+          <a:lstStyle/>
+          <a:p>
+            <a:endParaRPr lang="en-US"/>
+          </a:p>
+        </p:txBody>
+      </p:sp>
+      <p:sp>
+        <p:nvSpPr>
+          <p:cNvPr id="3" name="Content Placeholder 2">
+            <a:extLst>
+              <a:ext uri="{FF2B5EF4-FFF2-40B4-BE49-F238E27FC236}">
+                <a16:creationId xmlns:a16="http://schemas.microsoft.com/office/drawing/2014/main" id="{73A078A5-4F35-4958-8384-CBBBD3DED2C3}"/>
+              </a:ext>
+            </a:extLst>
+          </p:cNvPr>
+          <p:cNvSpPr>
+            <a:spLocks noGrp="1"/>
+          </p:cNvSpPr>
+          <p:nvPr>
+            <p:ph sz="quarter" idx="13"/>
+          </p:nvPr>
+        </p:nvSpPr>
+        <p:spPr/>
+        <p:txBody>
+          <a:bodyPr/>
+          <a:lstStyle/>
+          <a:p>
+            <a:endParaRPr lang="en-US"/>
+          </a:p>
+        </p:txBody>
+      </p:sp>
+    </p:spTree>
+    <p:extLst>
+      <p:ext uri="{BB962C8B-B14F-4D97-AF65-F5344CB8AC3E}">
+        <p14:creationId xmlns:p14="http://schemas.microsoft.com/office/powerpoint/2010/main" val="3265325021"/>
       </p:ext>
     </p:extLst>
   </p:cSld>
